--- a/Bubble Sort In Action.pptx
+++ b/Bubble Sort In Action.pptx
@@ -10,7 +10,14 @@
     <p:sldId id="257" r:id="rId4"/>
     <p:sldId id="258" r:id="rId5"/>
     <p:sldId id="259" r:id="rId6"/>
-    <p:sldId id="260" r:id="rId7"/>
+    <p:sldId id="262" r:id="rId7"/>
+    <p:sldId id="263" r:id="rId8"/>
+    <p:sldId id="264" r:id="rId9"/>
+    <p:sldId id="265" r:id="rId10"/>
+    <p:sldId id="266" r:id="rId11"/>
+    <p:sldId id="267" r:id="rId12"/>
+    <p:sldId id="268" r:id="rId13"/>
+    <p:sldId id="269" r:id="rId14"/>
   </p:sldIdLst>
   <p:sldSz cx="12192000" cy="6858000"/>
   <p:notesSz cx="6858000" cy="9144000"/>
@@ -109,6 +116,11 @@
       </a:defRPr>
     </a:lvl9pPr>
   </p:defaultTextStyle>
+  <p:extLst>
+    <p:ext uri="{EFAFB233-063F-42B5-8137-9DF3F51BA10A}">
+      <p15:sldGuideLst xmlns:p15="http://schemas.microsoft.com/office/powerpoint/2012/main"/>
+    </p:ext>
+  </p:extLst>
 </p:presentation>
 </file>
 
@@ -259,7 +271,7 @@
           <a:p>
             <a:fld id="{5C7A54E4-F532-4F3B-A879-4DEEA90CC876}" type="datetimeFigureOut">
               <a:rPr lang="en-US" smtClean="0"/>
-              <a:t>11/30/2020</a:t>
+              <a:t>12/2/2020</a:t>
             </a:fld>
             <a:endParaRPr lang="en-US"/>
           </a:p>
@@ -457,7 +469,7 @@
           <a:p>
             <a:fld id="{5C7A54E4-F532-4F3B-A879-4DEEA90CC876}" type="datetimeFigureOut">
               <a:rPr lang="en-US" smtClean="0"/>
-              <a:t>11/30/2020</a:t>
+              <a:t>12/2/2020</a:t>
             </a:fld>
             <a:endParaRPr lang="en-US"/>
           </a:p>
@@ -665,7 +677,7 @@
           <a:p>
             <a:fld id="{5C7A54E4-F532-4F3B-A879-4DEEA90CC876}" type="datetimeFigureOut">
               <a:rPr lang="en-US" smtClean="0"/>
-              <a:t>11/30/2020</a:t>
+              <a:t>12/2/2020</a:t>
             </a:fld>
             <a:endParaRPr lang="en-US"/>
           </a:p>
@@ -863,7 +875,7 @@
           <a:p>
             <a:fld id="{5C7A54E4-F532-4F3B-A879-4DEEA90CC876}" type="datetimeFigureOut">
               <a:rPr lang="en-US" smtClean="0"/>
-              <a:t>11/30/2020</a:t>
+              <a:t>12/2/2020</a:t>
             </a:fld>
             <a:endParaRPr lang="en-US"/>
           </a:p>
@@ -1138,7 +1150,7 @@
           <a:p>
             <a:fld id="{5C7A54E4-F532-4F3B-A879-4DEEA90CC876}" type="datetimeFigureOut">
               <a:rPr lang="en-US" smtClean="0"/>
-              <a:t>11/30/2020</a:t>
+              <a:t>12/2/2020</a:t>
             </a:fld>
             <a:endParaRPr lang="en-US"/>
           </a:p>
@@ -1403,7 +1415,7 @@
           <a:p>
             <a:fld id="{5C7A54E4-F532-4F3B-A879-4DEEA90CC876}" type="datetimeFigureOut">
               <a:rPr lang="en-US" smtClean="0"/>
-              <a:t>11/30/2020</a:t>
+              <a:t>12/2/2020</a:t>
             </a:fld>
             <a:endParaRPr lang="en-US"/>
           </a:p>
@@ -1815,7 +1827,7 @@
           <a:p>
             <a:fld id="{5C7A54E4-F532-4F3B-A879-4DEEA90CC876}" type="datetimeFigureOut">
               <a:rPr lang="en-US" smtClean="0"/>
-              <a:t>11/30/2020</a:t>
+              <a:t>12/2/2020</a:t>
             </a:fld>
             <a:endParaRPr lang="en-US"/>
           </a:p>
@@ -1956,7 +1968,7 @@
           <a:p>
             <a:fld id="{5C7A54E4-F532-4F3B-A879-4DEEA90CC876}" type="datetimeFigureOut">
               <a:rPr lang="en-US" smtClean="0"/>
-              <a:t>11/30/2020</a:t>
+              <a:t>12/2/2020</a:t>
             </a:fld>
             <a:endParaRPr lang="en-US"/>
           </a:p>
@@ -2069,7 +2081,7 @@
           <a:p>
             <a:fld id="{5C7A54E4-F532-4F3B-A879-4DEEA90CC876}" type="datetimeFigureOut">
               <a:rPr lang="en-US" smtClean="0"/>
-              <a:t>11/30/2020</a:t>
+              <a:t>12/2/2020</a:t>
             </a:fld>
             <a:endParaRPr lang="en-US"/>
           </a:p>
@@ -2380,7 +2392,7 @@
           <a:p>
             <a:fld id="{5C7A54E4-F532-4F3B-A879-4DEEA90CC876}" type="datetimeFigureOut">
               <a:rPr lang="en-US" smtClean="0"/>
-              <a:t>11/30/2020</a:t>
+              <a:t>12/2/2020</a:t>
             </a:fld>
             <a:endParaRPr lang="en-US"/>
           </a:p>
@@ -2668,7 +2680,7 @@
           <a:p>
             <a:fld id="{5C7A54E4-F532-4F3B-A879-4DEEA90CC876}" type="datetimeFigureOut">
               <a:rPr lang="en-US" smtClean="0"/>
-              <a:t>11/30/2020</a:t>
+              <a:t>12/2/2020</a:t>
             </a:fld>
             <a:endParaRPr lang="en-US"/>
           </a:p>
@@ -2909,7 +2921,7 @@
           <a:p>
             <a:fld id="{5C7A54E4-F532-4F3B-A879-4DEEA90CC876}" type="datetimeFigureOut">
               <a:rPr lang="en-US" smtClean="0"/>
-              <a:t>11/30/2020</a:t>
+              <a:t>12/2/2020</a:t>
             </a:fld>
             <a:endParaRPr lang="en-US"/>
           </a:p>
@@ -3405,6 +3417,1715 @@
 </p:sld>
 </file>
 
+<file path=ppt/slides/slide10.xml><?xml version="1.0" encoding="utf-8"?>
+<p:sld xmlns:a="http://schemas.openxmlformats.org/drawingml/2006/main" xmlns:r="http://schemas.openxmlformats.org/officeDocument/2006/relationships" xmlns:p="http://schemas.openxmlformats.org/presentationml/2006/main">
+  <p:cSld>
+    <p:spTree>
+      <p:nvGrpSpPr>
+        <p:cNvPr id="1" name=""/>
+        <p:cNvGrpSpPr/>
+        <p:nvPr/>
+      </p:nvGrpSpPr>
+      <p:grpSpPr>
+        <a:xfrm>
+          <a:off x="0" y="0"/>
+          <a:ext cx="0" cy="0"/>
+          <a:chOff x="0" y="0"/>
+          <a:chExt cx="0" cy="0"/>
+        </a:xfrm>
+      </p:grpSpPr>
+      <p:sp>
+        <p:nvSpPr>
+          <p:cNvPr id="2" name="Title 1">
+            <a:extLst>
+              <a:ext uri="{FF2B5EF4-FFF2-40B4-BE49-F238E27FC236}">
+                <a16:creationId xmlns:a16="http://schemas.microsoft.com/office/drawing/2014/main" id="{56FD64D3-E478-4BC5-B939-BD5EC731C150}"/>
+              </a:ext>
+            </a:extLst>
+          </p:cNvPr>
+          <p:cNvSpPr>
+            <a:spLocks noGrp="1"/>
+          </p:cNvSpPr>
+          <p:nvPr>
+            <p:ph type="title"/>
+          </p:nvPr>
+        </p:nvSpPr>
+        <p:spPr/>
+        <p:txBody>
+          <a:bodyPr/>
+          <a:lstStyle/>
+          <a:p>
+            <a:r>
+              <a:rPr lang="en-US" dirty="0"/>
+              <a:t>Bubble Sort Pseudocode (simple version)</a:t>
+            </a:r>
+          </a:p>
+        </p:txBody>
+      </p:sp>
+      <p:sp>
+        <p:nvSpPr>
+          <p:cNvPr id="3" name="Content Placeholder 2">
+            <a:extLst>
+              <a:ext uri="{FF2B5EF4-FFF2-40B4-BE49-F238E27FC236}">
+                <a16:creationId xmlns:a16="http://schemas.microsoft.com/office/drawing/2014/main" id="{64E7A509-AB49-4EB6-9C7A-1B91D8D65C94}"/>
+              </a:ext>
+            </a:extLst>
+          </p:cNvPr>
+          <p:cNvSpPr>
+            <a:spLocks noGrp="1"/>
+          </p:cNvSpPr>
+          <p:nvPr>
+            <p:ph idx="1"/>
+          </p:nvPr>
+        </p:nvSpPr>
+        <p:spPr/>
+        <p:txBody>
+          <a:bodyPr/>
+          <a:lstStyle/>
+          <a:p>
+            <a:pPr marL="0" indent="0">
+              <a:buNone/>
+            </a:pPr>
+            <a:r>
+              <a:rPr lang="en-US" b="0" dirty="0">
+                <a:solidFill>
+                  <a:srgbClr val="0000FF"/>
+                </a:solidFill>
+                <a:effectLst/>
+                <a:latin typeface="Consolas" panose="020B0609020204030204" pitchFamily="49" charset="0"/>
+              </a:rPr>
+              <a:t>for</a:t>
+            </a:r>
+            <a:r>
+              <a:rPr lang="en-US" b="0" dirty="0">
+                <a:solidFill>
+                  <a:srgbClr val="000000"/>
+                </a:solidFill>
+                <a:effectLst/>
+                <a:latin typeface="Consolas" panose="020B0609020204030204" pitchFamily="49" charset="0"/>
+              </a:rPr>
+              <a:t>(</a:t>
+            </a:r>
+            <a:r>
+              <a:rPr lang="en-US" b="0" dirty="0">
+                <a:solidFill>
+                  <a:srgbClr val="0000FF"/>
+                </a:solidFill>
+                <a:effectLst/>
+                <a:latin typeface="Consolas" panose="020B0609020204030204" pitchFamily="49" charset="0"/>
+              </a:rPr>
+              <a:t>int</a:t>
+            </a:r>
+            <a:r>
+              <a:rPr lang="en-US" b="0" dirty="0">
+                <a:solidFill>
+                  <a:srgbClr val="000000"/>
+                </a:solidFill>
+                <a:effectLst/>
+                <a:latin typeface="Consolas" panose="020B0609020204030204" pitchFamily="49" charset="0"/>
+              </a:rPr>
+              <a:t> </a:t>
+            </a:r>
+            <a:r>
+              <a:rPr lang="en-US" b="0" dirty="0" err="1">
+                <a:solidFill>
+                  <a:srgbClr val="000000"/>
+                </a:solidFill>
+                <a:effectLst/>
+                <a:latin typeface="Consolas" panose="020B0609020204030204" pitchFamily="49" charset="0"/>
+              </a:rPr>
+              <a:t>i</a:t>
+            </a:r>
+            <a:r>
+              <a:rPr lang="en-US" b="0" dirty="0">
+                <a:solidFill>
+                  <a:srgbClr val="000000"/>
+                </a:solidFill>
+                <a:effectLst/>
+                <a:latin typeface="Consolas" panose="020B0609020204030204" pitchFamily="49" charset="0"/>
+              </a:rPr>
+              <a:t> = </a:t>
+            </a:r>
+            <a:r>
+              <a:rPr lang="en-US" b="0" dirty="0">
+                <a:solidFill>
+                  <a:srgbClr val="098658"/>
+                </a:solidFill>
+                <a:effectLst/>
+                <a:latin typeface="Consolas" panose="020B0609020204030204" pitchFamily="49" charset="0"/>
+              </a:rPr>
+              <a:t>0</a:t>
+            </a:r>
+            <a:r>
+              <a:rPr lang="en-US" b="0" dirty="0">
+                <a:solidFill>
+                  <a:srgbClr val="000000"/>
+                </a:solidFill>
+                <a:effectLst/>
+                <a:latin typeface="Consolas" panose="020B0609020204030204" pitchFamily="49" charset="0"/>
+              </a:rPr>
+              <a:t>; </a:t>
+            </a:r>
+            <a:r>
+              <a:rPr lang="en-US" b="0" dirty="0" err="1">
+                <a:solidFill>
+                  <a:srgbClr val="000000"/>
+                </a:solidFill>
+                <a:effectLst/>
+                <a:latin typeface="Consolas" panose="020B0609020204030204" pitchFamily="49" charset="0"/>
+              </a:rPr>
+              <a:t>i</a:t>
+            </a:r>
+            <a:r>
+              <a:rPr lang="en-US" b="0" dirty="0">
+                <a:solidFill>
+                  <a:srgbClr val="000000"/>
+                </a:solidFill>
+                <a:effectLst/>
+                <a:latin typeface="Consolas" panose="020B0609020204030204" pitchFamily="49" charset="0"/>
+              </a:rPr>
+              <a:t> &lt; </a:t>
+            </a:r>
+            <a:r>
+              <a:rPr lang="en-US" b="0" dirty="0" err="1">
+                <a:solidFill>
+                  <a:srgbClr val="000000"/>
+                </a:solidFill>
+                <a:effectLst/>
+                <a:latin typeface="Consolas" panose="020B0609020204030204" pitchFamily="49" charset="0"/>
+              </a:rPr>
+              <a:t>array.length</a:t>
+            </a:r>
+            <a:r>
+              <a:rPr lang="en-US" b="0" dirty="0">
+                <a:solidFill>
+                  <a:srgbClr val="000000"/>
+                </a:solidFill>
+                <a:effectLst/>
+                <a:latin typeface="Consolas" panose="020B0609020204030204" pitchFamily="49" charset="0"/>
+              </a:rPr>
+              <a:t>; </a:t>
+            </a:r>
+            <a:r>
+              <a:rPr lang="en-US" b="0" dirty="0" err="1">
+                <a:solidFill>
+                  <a:srgbClr val="000000"/>
+                </a:solidFill>
+                <a:effectLst/>
+                <a:latin typeface="Consolas" panose="020B0609020204030204" pitchFamily="49" charset="0"/>
+              </a:rPr>
+              <a:t>i</a:t>
+            </a:r>
+            <a:r>
+              <a:rPr lang="en-US" b="0" dirty="0">
+                <a:solidFill>
+                  <a:srgbClr val="000000"/>
+                </a:solidFill>
+                <a:effectLst/>
+                <a:latin typeface="Consolas" panose="020B0609020204030204" pitchFamily="49" charset="0"/>
+              </a:rPr>
+              <a:t>++){</a:t>
+            </a:r>
+          </a:p>
+          <a:p>
+            <a:pPr marL="0" indent="0">
+              <a:buNone/>
+            </a:pPr>
+            <a:r>
+              <a:rPr lang="en-US" b="0" dirty="0">
+                <a:solidFill>
+                  <a:srgbClr val="000000"/>
+                </a:solidFill>
+                <a:effectLst/>
+                <a:latin typeface="Consolas" panose="020B0609020204030204" pitchFamily="49" charset="0"/>
+              </a:rPr>
+              <a:t>  </a:t>
+            </a:r>
+            <a:r>
+              <a:rPr lang="en-US" b="0" dirty="0">
+                <a:solidFill>
+                  <a:srgbClr val="0000FF"/>
+                </a:solidFill>
+                <a:effectLst/>
+                <a:latin typeface="Consolas" panose="020B0609020204030204" pitchFamily="49" charset="0"/>
+              </a:rPr>
+              <a:t>for</a:t>
+            </a:r>
+            <a:r>
+              <a:rPr lang="en-US" b="0" dirty="0">
+                <a:solidFill>
+                  <a:srgbClr val="000000"/>
+                </a:solidFill>
+                <a:effectLst/>
+                <a:latin typeface="Consolas" panose="020B0609020204030204" pitchFamily="49" charset="0"/>
+              </a:rPr>
+              <a:t>(</a:t>
+            </a:r>
+            <a:r>
+              <a:rPr lang="en-US" b="0" dirty="0">
+                <a:solidFill>
+                  <a:srgbClr val="0000FF"/>
+                </a:solidFill>
+                <a:effectLst/>
+                <a:latin typeface="Consolas" panose="020B0609020204030204" pitchFamily="49" charset="0"/>
+              </a:rPr>
+              <a:t>int</a:t>
+            </a:r>
+            <a:r>
+              <a:rPr lang="en-US" b="0" dirty="0">
+                <a:solidFill>
+                  <a:srgbClr val="000000"/>
+                </a:solidFill>
+                <a:effectLst/>
+                <a:latin typeface="Consolas" panose="020B0609020204030204" pitchFamily="49" charset="0"/>
+              </a:rPr>
+              <a:t> j = </a:t>
+            </a:r>
+            <a:r>
+              <a:rPr lang="en-US" b="0" dirty="0">
+                <a:solidFill>
+                  <a:srgbClr val="098658"/>
+                </a:solidFill>
+                <a:effectLst/>
+                <a:latin typeface="Consolas" panose="020B0609020204030204" pitchFamily="49" charset="0"/>
+              </a:rPr>
+              <a:t>0</a:t>
+            </a:r>
+            <a:r>
+              <a:rPr lang="en-US" b="0" dirty="0">
+                <a:solidFill>
+                  <a:srgbClr val="000000"/>
+                </a:solidFill>
+                <a:effectLst/>
+                <a:latin typeface="Consolas" panose="020B0609020204030204" pitchFamily="49" charset="0"/>
+              </a:rPr>
+              <a:t>; j &lt; array.length-</a:t>
+            </a:r>
+            <a:r>
+              <a:rPr lang="en-US" b="0" dirty="0">
+                <a:solidFill>
+                  <a:srgbClr val="098658"/>
+                </a:solidFill>
+                <a:effectLst/>
+                <a:latin typeface="Consolas" panose="020B0609020204030204" pitchFamily="49" charset="0"/>
+              </a:rPr>
+              <a:t>1</a:t>
+            </a:r>
+            <a:r>
+              <a:rPr lang="en-US" b="0" dirty="0">
+                <a:solidFill>
+                  <a:srgbClr val="000000"/>
+                </a:solidFill>
+                <a:effectLst/>
+                <a:latin typeface="Consolas" panose="020B0609020204030204" pitchFamily="49" charset="0"/>
+              </a:rPr>
+              <a:t>; </a:t>
+            </a:r>
+            <a:r>
+              <a:rPr lang="en-US" b="0" dirty="0" err="1">
+                <a:solidFill>
+                  <a:srgbClr val="000000"/>
+                </a:solidFill>
+                <a:effectLst/>
+                <a:latin typeface="Consolas" panose="020B0609020204030204" pitchFamily="49" charset="0"/>
+              </a:rPr>
+              <a:t>j++</a:t>
+            </a:r>
+            <a:r>
+              <a:rPr lang="en-US" b="0" dirty="0">
+                <a:solidFill>
+                  <a:srgbClr val="000000"/>
+                </a:solidFill>
+                <a:effectLst/>
+                <a:latin typeface="Consolas" panose="020B0609020204030204" pitchFamily="49" charset="0"/>
+              </a:rPr>
+              <a:t>){</a:t>
+            </a:r>
+          </a:p>
+          <a:p>
+            <a:pPr marL="0" indent="0">
+              <a:buNone/>
+            </a:pPr>
+            <a:r>
+              <a:rPr lang="en-US" b="0" dirty="0">
+                <a:solidFill>
+                  <a:srgbClr val="000000"/>
+                </a:solidFill>
+                <a:effectLst/>
+                <a:latin typeface="Consolas" panose="020B0609020204030204" pitchFamily="49" charset="0"/>
+              </a:rPr>
+              <a:t>    </a:t>
+            </a:r>
+            <a:r>
+              <a:rPr lang="en-US" b="0" dirty="0">
+                <a:solidFill>
+                  <a:srgbClr val="0000FF"/>
+                </a:solidFill>
+                <a:effectLst/>
+                <a:latin typeface="Consolas" panose="020B0609020204030204" pitchFamily="49" charset="0"/>
+              </a:rPr>
+              <a:t>if</a:t>
+            </a:r>
+            <a:r>
+              <a:rPr lang="en-US" b="0" dirty="0">
+                <a:solidFill>
+                  <a:srgbClr val="000000"/>
+                </a:solidFill>
+                <a:effectLst/>
+                <a:latin typeface="Consolas" panose="020B0609020204030204" pitchFamily="49" charset="0"/>
+              </a:rPr>
+              <a:t>(array[j] &gt; array[j+</a:t>
+            </a:r>
+            <a:r>
+              <a:rPr lang="en-US" b="0" dirty="0">
+                <a:solidFill>
+                  <a:srgbClr val="098658"/>
+                </a:solidFill>
+                <a:effectLst/>
+                <a:latin typeface="Consolas" panose="020B0609020204030204" pitchFamily="49" charset="0"/>
+              </a:rPr>
+              <a:t>1</a:t>
+            </a:r>
+            <a:r>
+              <a:rPr lang="en-US" b="0" dirty="0">
+                <a:solidFill>
+                  <a:srgbClr val="000000"/>
+                </a:solidFill>
+                <a:effectLst/>
+                <a:latin typeface="Consolas" panose="020B0609020204030204" pitchFamily="49" charset="0"/>
+              </a:rPr>
+              <a:t>])</a:t>
+            </a:r>
+          </a:p>
+          <a:p>
+            <a:pPr marL="0" indent="0">
+              <a:buNone/>
+            </a:pPr>
+            <a:r>
+              <a:rPr lang="en-US" b="0" dirty="0">
+                <a:solidFill>
+                  <a:srgbClr val="000000"/>
+                </a:solidFill>
+                <a:effectLst/>
+                <a:latin typeface="Consolas" panose="020B0609020204030204" pitchFamily="49" charset="0"/>
+              </a:rPr>
+              <a:t>      swap(array[j], array[j+</a:t>
+            </a:r>
+            <a:r>
+              <a:rPr lang="en-US" b="0" dirty="0">
+                <a:solidFill>
+                  <a:srgbClr val="098658"/>
+                </a:solidFill>
+                <a:effectLst/>
+                <a:latin typeface="Consolas" panose="020B0609020204030204" pitchFamily="49" charset="0"/>
+              </a:rPr>
+              <a:t>1</a:t>
+            </a:r>
+            <a:r>
+              <a:rPr lang="en-US" b="0" dirty="0">
+                <a:solidFill>
+                  <a:srgbClr val="000000"/>
+                </a:solidFill>
+                <a:effectLst/>
+                <a:latin typeface="Consolas" panose="020B0609020204030204" pitchFamily="49" charset="0"/>
+              </a:rPr>
+              <a:t>]);</a:t>
+            </a:r>
+          </a:p>
+          <a:p>
+            <a:pPr marL="0" indent="0">
+              <a:buNone/>
+            </a:pPr>
+            <a:r>
+              <a:rPr lang="en-US" b="0" dirty="0">
+                <a:solidFill>
+                  <a:srgbClr val="000000"/>
+                </a:solidFill>
+                <a:effectLst/>
+                <a:latin typeface="Consolas" panose="020B0609020204030204" pitchFamily="49" charset="0"/>
+              </a:rPr>
+              <a:t>  }</a:t>
+            </a:r>
+          </a:p>
+          <a:p>
+            <a:pPr marL="0" indent="0">
+              <a:buNone/>
+            </a:pPr>
+            <a:r>
+              <a:rPr lang="en-US" b="0" dirty="0">
+                <a:solidFill>
+                  <a:srgbClr val="000000"/>
+                </a:solidFill>
+                <a:effectLst/>
+                <a:latin typeface="Consolas" panose="020B0609020204030204" pitchFamily="49" charset="0"/>
+              </a:rPr>
+              <a:t>}</a:t>
+            </a:r>
+          </a:p>
+          <a:p>
+            <a:pPr marL="0" indent="0">
+              <a:buNone/>
+            </a:pPr>
+            <a:endParaRPr lang="en-US" dirty="0">
+              <a:latin typeface="Courier New" panose="02070309020205020404" pitchFamily="49" charset="0"/>
+              <a:cs typeface="Courier New" panose="02070309020205020404" pitchFamily="49" charset="0"/>
+            </a:endParaRPr>
+          </a:p>
+        </p:txBody>
+      </p:sp>
+    </p:spTree>
+    <p:extLst>
+      <p:ext uri="{BB962C8B-B14F-4D97-AF65-F5344CB8AC3E}">
+        <p14:creationId xmlns:p14="http://schemas.microsoft.com/office/powerpoint/2010/main" val="43411807"/>
+      </p:ext>
+    </p:extLst>
+  </p:cSld>
+  <p:clrMapOvr>
+    <a:masterClrMapping/>
+  </p:clrMapOvr>
+</p:sld>
+</file>
+
+<file path=ppt/slides/slide11.xml><?xml version="1.0" encoding="utf-8"?>
+<p:sld xmlns:a="http://schemas.openxmlformats.org/drawingml/2006/main" xmlns:r="http://schemas.openxmlformats.org/officeDocument/2006/relationships" xmlns:p="http://schemas.openxmlformats.org/presentationml/2006/main">
+  <p:cSld>
+    <p:spTree>
+      <p:nvGrpSpPr>
+        <p:cNvPr id="1" name=""/>
+        <p:cNvGrpSpPr/>
+        <p:nvPr/>
+      </p:nvGrpSpPr>
+      <p:grpSpPr>
+        <a:xfrm>
+          <a:off x="0" y="0"/>
+          <a:ext cx="0" cy="0"/>
+          <a:chOff x="0" y="0"/>
+          <a:chExt cx="0" cy="0"/>
+        </a:xfrm>
+      </p:grpSpPr>
+      <p:sp>
+        <p:nvSpPr>
+          <p:cNvPr id="2" name="Title 1">
+            <a:extLst>
+              <a:ext uri="{FF2B5EF4-FFF2-40B4-BE49-F238E27FC236}">
+                <a16:creationId xmlns:a16="http://schemas.microsoft.com/office/drawing/2014/main" id="{56FD64D3-E478-4BC5-B939-BD5EC731C150}"/>
+              </a:ext>
+            </a:extLst>
+          </p:cNvPr>
+          <p:cNvSpPr>
+            <a:spLocks noGrp="1"/>
+          </p:cNvSpPr>
+          <p:nvPr>
+            <p:ph type="title"/>
+          </p:nvPr>
+        </p:nvSpPr>
+        <p:spPr/>
+        <p:txBody>
+          <a:bodyPr/>
+          <a:lstStyle/>
+          <a:p>
+            <a:r>
+              <a:rPr lang="en-US" dirty="0"/>
+              <a:t>Bubble Sort Pseudocode (simple version)</a:t>
+            </a:r>
+          </a:p>
+        </p:txBody>
+      </p:sp>
+      <p:sp>
+        <p:nvSpPr>
+          <p:cNvPr id="3" name="Content Placeholder 2">
+            <a:extLst>
+              <a:ext uri="{FF2B5EF4-FFF2-40B4-BE49-F238E27FC236}">
+                <a16:creationId xmlns:a16="http://schemas.microsoft.com/office/drawing/2014/main" id="{64E7A509-AB49-4EB6-9C7A-1B91D8D65C94}"/>
+              </a:ext>
+            </a:extLst>
+          </p:cNvPr>
+          <p:cNvSpPr>
+            <a:spLocks noGrp="1"/>
+          </p:cNvSpPr>
+          <p:nvPr>
+            <p:ph idx="1"/>
+          </p:nvPr>
+        </p:nvSpPr>
+        <p:spPr/>
+        <p:txBody>
+          <a:bodyPr/>
+          <a:lstStyle/>
+          <a:p>
+            <a:pPr marL="0" indent="0">
+              <a:buNone/>
+            </a:pPr>
+            <a:r>
+              <a:rPr lang="en-US" b="0" dirty="0">
+                <a:solidFill>
+                  <a:srgbClr val="0000FF"/>
+                </a:solidFill>
+                <a:effectLst/>
+                <a:latin typeface="Consolas" panose="020B0609020204030204" pitchFamily="49" charset="0"/>
+              </a:rPr>
+              <a:t>for</a:t>
+            </a:r>
+            <a:r>
+              <a:rPr lang="en-US" b="0" dirty="0">
+                <a:solidFill>
+                  <a:srgbClr val="000000"/>
+                </a:solidFill>
+                <a:effectLst/>
+                <a:latin typeface="Consolas" panose="020B0609020204030204" pitchFamily="49" charset="0"/>
+              </a:rPr>
+              <a:t>(</a:t>
+            </a:r>
+            <a:r>
+              <a:rPr lang="en-US" b="0" dirty="0">
+                <a:solidFill>
+                  <a:srgbClr val="0000FF"/>
+                </a:solidFill>
+                <a:effectLst/>
+                <a:latin typeface="Consolas" panose="020B0609020204030204" pitchFamily="49" charset="0"/>
+              </a:rPr>
+              <a:t>int</a:t>
+            </a:r>
+            <a:r>
+              <a:rPr lang="en-US" b="0" dirty="0">
+                <a:solidFill>
+                  <a:srgbClr val="000000"/>
+                </a:solidFill>
+                <a:effectLst/>
+                <a:latin typeface="Consolas" panose="020B0609020204030204" pitchFamily="49" charset="0"/>
+              </a:rPr>
+              <a:t> </a:t>
+            </a:r>
+            <a:r>
+              <a:rPr lang="en-US" b="0" dirty="0" err="1">
+                <a:solidFill>
+                  <a:srgbClr val="000000"/>
+                </a:solidFill>
+                <a:effectLst/>
+                <a:latin typeface="Consolas" panose="020B0609020204030204" pitchFamily="49" charset="0"/>
+              </a:rPr>
+              <a:t>i</a:t>
+            </a:r>
+            <a:r>
+              <a:rPr lang="en-US" b="0" dirty="0">
+                <a:solidFill>
+                  <a:srgbClr val="000000"/>
+                </a:solidFill>
+                <a:effectLst/>
+                <a:latin typeface="Consolas" panose="020B0609020204030204" pitchFamily="49" charset="0"/>
+              </a:rPr>
+              <a:t> = </a:t>
+            </a:r>
+            <a:r>
+              <a:rPr lang="en-US" b="0" dirty="0">
+                <a:solidFill>
+                  <a:srgbClr val="098658"/>
+                </a:solidFill>
+                <a:effectLst/>
+                <a:latin typeface="Consolas" panose="020B0609020204030204" pitchFamily="49" charset="0"/>
+              </a:rPr>
+              <a:t>0</a:t>
+            </a:r>
+            <a:r>
+              <a:rPr lang="en-US" b="0" dirty="0">
+                <a:solidFill>
+                  <a:srgbClr val="000000"/>
+                </a:solidFill>
+                <a:effectLst/>
+                <a:latin typeface="Consolas" panose="020B0609020204030204" pitchFamily="49" charset="0"/>
+              </a:rPr>
+              <a:t>; </a:t>
+            </a:r>
+            <a:r>
+              <a:rPr lang="en-US" b="0" dirty="0" err="1">
+                <a:solidFill>
+                  <a:srgbClr val="000000"/>
+                </a:solidFill>
+                <a:effectLst/>
+                <a:latin typeface="Consolas" panose="020B0609020204030204" pitchFamily="49" charset="0"/>
+              </a:rPr>
+              <a:t>i</a:t>
+            </a:r>
+            <a:r>
+              <a:rPr lang="en-US" b="0" dirty="0">
+                <a:solidFill>
+                  <a:srgbClr val="000000"/>
+                </a:solidFill>
+                <a:effectLst/>
+                <a:latin typeface="Consolas" panose="020B0609020204030204" pitchFamily="49" charset="0"/>
+              </a:rPr>
+              <a:t> &lt; </a:t>
+            </a:r>
+            <a:r>
+              <a:rPr lang="en-US" b="0" dirty="0" err="1">
+                <a:solidFill>
+                  <a:srgbClr val="000000"/>
+                </a:solidFill>
+                <a:effectLst/>
+                <a:latin typeface="Consolas" panose="020B0609020204030204" pitchFamily="49" charset="0"/>
+              </a:rPr>
+              <a:t>array.length</a:t>
+            </a:r>
+            <a:r>
+              <a:rPr lang="en-US" b="0" dirty="0">
+                <a:solidFill>
+                  <a:srgbClr val="000000"/>
+                </a:solidFill>
+                <a:effectLst/>
+                <a:latin typeface="Consolas" panose="020B0609020204030204" pitchFamily="49" charset="0"/>
+              </a:rPr>
+              <a:t>; </a:t>
+            </a:r>
+            <a:r>
+              <a:rPr lang="en-US" b="0" dirty="0" err="1">
+                <a:solidFill>
+                  <a:srgbClr val="000000"/>
+                </a:solidFill>
+                <a:effectLst/>
+                <a:latin typeface="Consolas" panose="020B0609020204030204" pitchFamily="49" charset="0"/>
+              </a:rPr>
+              <a:t>i</a:t>
+            </a:r>
+            <a:r>
+              <a:rPr lang="en-US" b="0" dirty="0">
+                <a:solidFill>
+                  <a:srgbClr val="000000"/>
+                </a:solidFill>
+                <a:effectLst/>
+                <a:latin typeface="Consolas" panose="020B0609020204030204" pitchFamily="49" charset="0"/>
+              </a:rPr>
+              <a:t>++){</a:t>
+            </a:r>
+          </a:p>
+          <a:p>
+            <a:pPr marL="0" indent="0">
+              <a:buNone/>
+            </a:pPr>
+            <a:r>
+              <a:rPr lang="en-US" b="0" dirty="0">
+                <a:solidFill>
+                  <a:srgbClr val="000000"/>
+                </a:solidFill>
+                <a:effectLst/>
+                <a:latin typeface="Consolas" panose="020B0609020204030204" pitchFamily="49" charset="0"/>
+              </a:rPr>
+              <a:t>  </a:t>
+            </a:r>
+            <a:r>
+              <a:rPr lang="en-US" b="0" dirty="0">
+                <a:solidFill>
+                  <a:srgbClr val="0000FF"/>
+                </a:solidFill>
+                <a:effectLst/>
+                <a:latin typeface="Consolas" panose="020B0609020204030204" pitchFamily="49" charset="0"/>
+              </a:rPr>
+              <a:t>for</a:t>
+            </a:r>
+            <a:r>
+              <a:rPr lang="en-US" b="0" dirty="0">
+                <a:solidFill>
+                  <a:srgbClr val="000000"/>
+                </a:solidFill>
+                <a:effectLst/>
+                <a:latin typeface="Consolas" panose="020B0609020204030204" pitchFamily="49" charset="0"/>
+              </a:rPr>
+              <a:t>(</a:t>
+            </a:r>
+            <a:r>
+              <a:rPr lang="en-US" b="0" dirty="0">
+                <a:solidFill>
+                  <a:srgbClr val="0000FF"/>
+                </a:solidFill>
+                <a:effectLst/>
+                <a:latin typeface="Consolas" panose="020B0609020204030204" pitchFamily="49" charset="0"/>
+              </a:rPr>
+              <a:t>int</a:t>
+            </a:r>
+            <a:r>
+              <a:rPr lang="en-US" b="0" dirty="0">
+                <a:solidFill>
+                  <a:srgbClr val="000000"/>
+                </a:solidFill>
+                <a:effectLst/>
+                <a:latin typeface="Consolas" panose="020B0609020204030204" pitchFamily="49" charset="0"/>
+              </a:rPr>
+              <a:t> j = </a:t>
+            </a:r>
+            <a:r>
+              <a:rPr lang="en-US" b="0" dirty="0">
+                <a:solidFill>
+                  <a:srgbClr val="098658"/>
+                </a:solidFill>
+                <a:effectLst/>
+                <a:latin typeface="Consolas" panose="020B0609020204030204" pitchFamily="49" charset="0"/>
+              </a:rPr>
+              <a:t>0</a:t>
+            </a:r>
+            <a:r>
+              <a:rPr lang="en-US" b="0" dirty="0">
+                <a:solidFill>
+                  <a:srgbClr val="000000"/>
+                </a:solidFill>
+                <a:effectLst/>
+                <a:latin typeface="Consolas" panose="020B0609020204030204" pitchFamily="49" charset="0"/>
+              </a:rPr>
+              <a:t>; j &lt; array.length-</a:t>
+            </a:r>
+            <a:r>
+              <a:rPr lang="en-US" b="0" dirty="0">
+                <a:solidFill>
+                  <a:srgbClr val="098658"/>
+                </a:solidFill>
+                <a:effectLst/>
+                <a:latin typeface="Consolas" panose="020B0609020204030204" pitchFamily="49" charset="0"/>
+              </a:rPr>
+              <a:t>1</a:t>
+            </a:r>
+            <a:r>
+              <a:rPr lang="en-US" b="0" dirty="0">
+                <a:solidFill>
+                  <a:srgbClr val="000000"/>
+                </a:solidFill>
+                <a:effectLst/>
+                <a:latin typeface="Consolas" panose="020B0609020204030204" pitchFamily="49" charset="0"/>
+              </a:rPr>
+              <a:t>; </a:t>
+            </a:r>
+            <a:r>
+              <a:rPr lang="en-US" b="0" dirty="0" err="1">
+                <a:solidFill>
+                  <a:srgbClr val="000000"/>
+                </a:solidFill>
+                <a:effectLst/>
+                <a:latin typeface="Consolas" panose="020B0609020204030204" pitchFamily="49" charset="0"/>
+              </a:rPr>
+              <a:t>j++</a:t>
+            </a:r>
+            <a:r>
+              <a:rPr lang="en-US" b="0" dirty="0">
+                <a:solidFill>
+                  <a:srgbClr val="000000"/>
+                </a:solidFill>
+                <a:effectLst/>
+                <a:latin typeface="Consolas" panose="020B0609020204030204" pitchFamily="49" charset="0"/>
+              </a:rPr>
+              <a:t>){</a:t>
+            </a:r>
+          </a:p>
+          <a:p>
+            <a:pPr marL="0" indent="0">
+              <a:buNone/>
+            </a:pPr>
+            <a:r>
+              <a:rPr lang="en-US" b="0" dirty="0">
+                <a:solidFill>
+                  <a:srgbClr val="000000"/>
+                </a:solidFill>
+                <a:effectLst/>
+                <a:latin typeface="Consolas" panose="020B0609020204030204" pitchFamily="49" charset="0"/>
+              </a:rPr>
+              <a:t>    </a:t>
+            </a:r>
+            <a:r>
+              <a:rPr lang="en-US" b="0" dirty="0">
+                <a:solidFill>
+                  <a:srgbClr val="0000FF"/>
+                </a:solidFill>
+                <a:effectLst/>
+                <a:latin typeface="Consolas" panose="020B0609020204030204" pitchFamily="49" charset="0"/>
+              </a:rPr>
+              <a:t>if</a:t>
+            </a:r>
+            <a:r>
+              <a:rPr lang="en-US" b="0" dirty="0">
+                <a:solidFill>
+                  <a:srgbClr val="000000"/>
+                </a:solidFill>
+                <a:effectLst/>
+                <a:latin typeface="Consolas" panose="020B0609020204030204" pitchFamily="49" charset="0"/>
+              </a:rPr>
+              <a:t>(array[j] &gt; array[j+</a:t>
+            </a:r>
+            <a:r>
+              <a:rPr lang="en-US" b="0" dirty="0">
+                <a:solidFill>
+                  <a:srgbClr val="098658"/>
+                </a:solidFill>
+                <a:effectLst/>
+                <a:latin typeface="Consolas" panose="020B0609020204030204" pitchFamily="49" charset="0"/>
+              </a:rPr>
+              <a:t>1</a:t>
+            </a:r>
+            <a:r>
+              <a:rPr lang="en-US" b="0" dirty="0">
+                <a:solidFill>
+                  <a:srgbClr val="000000"/>
+                </a:solidFill>
+                <a:effectLst/>
+                <a:latin typeface="Consolas" panose="020B0609020204030204" pitchFamily="49" charset="0"/>
+              </a:rPr>
+              <a:t>])</a:t>
+            </a:r>
+          </a:p>
+          <a:p>
+            <a:pPr marL="0" indent="0">
+              <a:buNone/>
+            </a:pPr>
+            <a:r>
+              <a:rPr lang="en-US" b="0" dirty="0">
+                <a:solidFill>
+                  <a:srgbClr val="000000"/>
+                </a:solidFill>
+                <a:effectLst/>
+                <a:latin typeface="Consolas" panose="020B0609020204030204" pitchFamily="49" charset="0"/>
+              </a:rPr>
+              <a:t>      swap(array[j], array[j+</a:t>
+            </a:r>
+            <a:r>
+              <a:rPr lang="en-US" b="0" dirty="0">
+                <a:solidFill>
+                  <a:srgbClr val="098658"/>
+                </a:solidFill>
+                <a:effectLst/>
+                <a:latin typeface="Consolas" panose="020B0609020204030204" pitchFamily="49" charset="0"/>
+              </a:rPr>
+              <a:t>1</a:t>
+            </a:r>
+            <a:r>
+              <a:rPr lang="en-US" b="0" dirty="0">
+                <a:solidFill>
+                  <a:srgbClr val="000000"/>
+                </a:solidFill>
+                <a:effectLst/>
+                <a:latin typeface="Consolas" panose="020B0609020204030204" pitchFamily="49" charset="0"/>
+              </a:rPr>
+              <a:t>]);</a:t>
+            </a:r>
+          </a:p>
+          <a:p>
+            <a:pPr marL="0" indent="0">
+              <a:buNone/>
+            </a:pPr>
+            <a:r>
+              <a:rPr lang="en-US" b="0" dirty="0">
+                <a:solidFill>
+                  <a:srgbClr val="000000"/>
+                </a:solidFill>
+                <a:effectLst/>
+                <a:latin typeface="Consolas" panose="020B0609020204030204" pitchFamily="49" charset="0"/>
+              </a:rPr>
+              <a:t>  }</a:t>
+            </a:r>
+          </a:p>
+          <a:p>
+            <a:pPr marL="0" indent="0">
+              <a:buNone/>
+            </a:pPr>
+            <a:r>
+              <a:rPr lang="en-US" b="0" dirty="0">
+                <a:solidFill>
+                  <a:srgbClr val="000000"/>
+                </a:solidFill>
+                <a:effectLst/>
+                <a:latin typeface="Consolas" panose="020B0609020204030204" pitchFamily="49" charset="0"/>
+              </a:rPr>
+              <a:t>}</a:t>
+            </a:r>
+          </a:p>
+          <a:p>
+            <a:pPr marL="0" indent="0">
+              <a:buNone/>
+            </a:pPr>
+            <a:endParaRPr lang="en-US" dirty="0">
+              <a:solidFill>
+                <a:srgbClr val="000000"/>
+              </a:solidFill>
+              <a:latin typeface="Consolas" panose="020B0609020204030204" pitchFamily="49" charset="0"/>
+            </a:endParaRPr>
+          </a:p>
+          <a:p>
+            <a:pPr marL="0" indent="0">
+              <a:buNone/>
+            </a:pPr>
+            <a:r>
+              <a:rPr lang="en-US" b="0" dirty="0">
+                <a:solidFill>
+                  <a:srgbClr val="000000"/>
+                </a:solidFill>
+                <a:effectLst/>
+                <a:latin typeface="Consolas" panose="020B0609020204030204" pitchFamily="49" charset="0"/>
+              </a:rPr>
+              <a:t>What is the Big-O?</a:t>
+            </a:r>
+          </a:p>
+          <a:p>
+            <a:pPr marL="0" indent="0">
+              <a:buNone/>
+            </a:pPr>
+            <a:endParaRPr lang="en-US" dirty="0">
+              <a:latin typeface="Courier New" panose="02070309020205020404" pitchFamily="49" charset="0"/>
+              <a:cs typeface="Courier New" panose="02070309020205020404" pitchFamily="49" charset="0"/>
+            </a:endParaRPr>
+          </a:p>
+        </p:txBody>
+      </p:sp>
+    </p:spTree>
+    <p:extLst>
+      <p:ext uri="{BB962C8B-B14F-4D97-AF65-F5344CB8AC3E}">
+        <p14:creationId xmlns:p14="http://schemas.microsoft.com/office/powerpoint/2010/main" val="163768078"/>
+      </p:ext>
+    </p:extLst>
+  </p:cSld>
+  <p:clrMapOvr>
+    <a:masterClrMapping/>
+  </p:clrMapOvr>
+</p:sld>
+</file>
+
+<file path=ppt/slides/slide12.xml><?xml version="1.0" encoding="utf-8"?>
+<p:sld xmlns:a="http://schemas.openxmlformats.org/drawingml/2006/main" xmlns:r="http://schemas.openxmlformats.org/officeDocument/2006/relationships" xmlns:p="http://schemas.openxmlformats.org/presentationml/2006/main">
+  <p:cSld>
+    <p:spTree>
+      <p:nvGrpSpPr>
+        <p:cNvPr id="1" name=""/>
+        <p:cNvGrpSpPr/>
+        <p:nvPr/>
+      </p:nvGrpSpPr>
+      <p:grpSpPr>
+        <a:xfrm>
+          <a:off x="0" y="0"/>
+          <a:ext cx="0" cy="0"/>
+          <a:chOff x="0" y="0"/>
+          <a:chExt cx="0" cy="0"/>
+        </a:xfrm>
+      </p:grpSpPr>
+      <p:sp>
+        <p:nvSpPr>
+          <p:cNvPr id="2" name="Title 1">
+            <a:extLst>
+              <a:ext uri="{FF2B5EF4-FFF2-40B4-BE49-F238E27FC236}">
+                <a16:creationId xmlns:a16="http://schemas.microsoft.com/office/drawing/2014/main" id="{56FD64D3-E478-4BC5-B939-BD5EC731C150}"/>
+              </a:ext>
+            </a:extLst>
+          </p:cNvPr>
+          <p:cNvSpPr>
+            <a:spLocks noGrp="1"/>
+          </p:cNvSpPr>
+          <p:nvPr>
+            <p:ph type="title"/>
+          </p:nvPr>
+        </p:nvSpPr>
+        <p:spPr/>
+        <p:txBody>
+          <a:bodyPr/>
+          <a:lstStyle/>
+          <a:p>
+            <a:r>
+              <a:rPr lang="en-US" dirty="0"/>
+              <a:t>Bubble Sort Pseudocode (simple version)</a:t>
+            </a:r>
+          </a:p>
+        </p:txBody>
+      </p:sp>
+      <p:sp>
+        <p:nvSpPr>
+          <p:cNvPr id="3" name="Content Placeholder 2">
+            <a:extLst>
+              <a:ext uri="{FF2B5EF4-FFF2-40B4-BE49-F238E27FC236}">
+                <a16:creationId xmlns:a16="http://schemas.microsoft.com/office/drawing/2014/main" id="{64E7A509-AB49-4EB6-9C7A-1B91D8D65C94}"/>
+              </a:ext>
+            </a:extLst>
+          </p:cNvPr>
+          <p:cNvSpPr>
+            <a:spLocks noGrp="1"/>
+          </p:cNvSpPr>
+          <p:nvPr>
+            <p:ph idx="1"/>
+          </p:nvPr>
+        </p:nvSpPr>
+        <p:spPr/>
+        <p:txBody>
+          <a:bodyPr/>
+          <a:lstStyle/>
+          <a:p>
+            <a:pPr marL="0" indent="0">
+              <a:buNone/>
+            </a:pPr>
+            <a:r>
+              <a:rPr lang="en-US" b="0" dirty="0">
+                <a:solidFill>
+                  <a:srgbClr val="0000FF"/>
+                </a:solidFill>
+                <a:effectLst/>
+                <a:latin typeface="Consolas" panose="020B0609020204030204" pitchFamily="49" charset="0"/>
+              </a:rPr>
+              <a:t>for</a:t>
+            </a:r>
+            <a:r>
+              <a:rPr lang="en-US" b="0" dirty="0">
+                <a:solidFill>
+                  <a:srgbClr val="000000"/>
+                </a:solidFill>
+                <a:effectLst/>
+                <a:latin typeface="Consolas" panose="020B0609020204030204" pitchFamily="49" charset="0"/>
+              </a:rPr>
+              <a:t>(</a:t>
+            </a:r>
+            <a:r>
+              <a:rPr lang="en-US" b="0" dirty="0">
+                <a:solidFill>
+                  <a:srgbClr val="0000FF"/>
+                </a:solidFill>
+                <a:effectLst/>
+                <a:latin typeface="Consolas" panose="020B0609020204030204" pitchFamily="49" charset="0"/>
+              </a:rPr>
+              <a:t>int</a:t>
+            </a:r>
+            <a:r>
+              <a:rPr lang="en-US" b="0" dirty="0">
+                <a:solidFill>
+                  <a:srgbClr val="000000"/>
+                </a:solidFill>
+                <a:effectLst/>
+                <a:latin typeface="Consolas" panose="020B0609020204030204" pitchFamily="49" charset="0"/>
+              </a:rPr>
+              <a:t> </a:t>
+            </a:r>
+            <a:r>
+              <a:rPr lang="en-US" b="0" dirty="0" err="1">
+                <a:solidFill>
+                  <a:srgbClr val="000000"/>
+                </a:solidFill>
+                <a:effectLst/>
+                <a:latin typeface="Consolas" panose="020B0609020204030204" pitchFamily="49" charset="0"/>
+              </a:rPr>
+              <a:t>i</a:t>
+            </a:r>
+            <a:r>
+              <a:rPr lang="en-US" b="0" dirty="0">
+                <a:solidFill>
+                  <a:srgbClr val="000000"/>
+                </a:solidFill>
+                <a:effectLst/>
+                <a:latin typeface="Consolas" panose="020B0609020204030204" pitchFamily="49" charset="0"/>
+              </a:rPr>
+              <a:t> = </a:t>
+            </a:r>
+            <a:r>
+              <a:rPr lang="en-US" b="0" dirty="0">
+                <a:solidFill>
+                  <a:srgbClr val="098658"/>
+                </a:solidFill>
+                <a:effectLst/>
+                <a:latin typeface="Consolas" panose="020B0609020204030204" pitchFamily="49" charset="0"/>
+              </a:rPr>
+              <a:t>0</a:t>
+            </a:r>
+            <a:r>
+              <a:rPr lang="en-US" b="0" dirty="0">
+                <a:solidFill>
+                  <a:srgbClr val="000000"/>
+                </a:solidFill>
+                <a:effectLst/>
+                <a:latin typeface="Consolas" panose="020B0609020204030204" pitchFamily="49" charset="0"/>
+              </a:rPr>
+              <a:t>; </a:t>
+            </a:r>
+            <a:r>
+              <a:rPr lang="en-US" b="0" dirty="0" err="1">
+                <a:solidFill>
+                  <a:srgbClr val="000000"/>
+                </a:solidFill>
+                <a:effectLst/>
+                <a:latin typeface="Consolas" panose="020B0609020204030204" pitchFamily="49" charset="0"/>
+              </a:rPr>
+              <a:t>i</a:t>
+            </a:r>
+            <a:r>
+              <a:rPr lang="en-US" b="0" dirty="0">
+                <a:solidFill>
+                  <a:srgbClr val="000000"/>
+                </a:solidFill>
+                <a:effectLst/>
+                <a:latin typeface="Consolas" panose="020B0609020204030204" pitchFamily="49" charset="0"/>
+              </a:rPr>
+              <a:t> &lt; </a:t>
+            </a:r>
+            <a:r>
+              <a:rPr lang="en-US" b="0" dirty="0" err="1">
+                <a:solidFill>
+                  <a:srgbClr val="000000"/>
+                </a:solidFill>
+                <a:effectLst/>
+                <a:latin typeface="Consolas" panose="020B0609020204030204" pitchFamily="49" charset="0"/>
+              </a:rPr>
+              <a:t>array.length</a:t>
+            </a:r>
+            <a:r>
+              <a:rPr lang="en-US" b="0" dirty="0">
+                <a:solidFill>
+                  <a:srgbClr val="000000"/>
+                </a:solidFill>
+                <a:effectLst/>
+                <a:latin typeface="Consolas" panose="020B0609020204030204" pitchFamily="49" charset="0"/>
+              </a:rPr>
+              <a:t>; </a:t>
+            </a:r>
+            <a:r>
+              <a:rPr lang="en-US" b="0" dirty="0" err="1">
+                <a:solidFill>
+                  <a:srgbClr val="000000"/>
+                </a:solidFill>
+                <a:effectLst/>
+                <a:latin typeface="Consolas" panose="020B0609020204030204" pitchFamily="49" charset="0"/>
+              </a:rPr>
+              <a:t>i</a:t>
+            </a:r>
+            <a:r>
+              <a:rPr lang="en-US" b="0" dirty="0">
+                <a:solidFill>
+                  <a:srgbClr val="000000"/>
+                </a:solidFill>
+                <a:effectLst/>
+                <a:latin typeface="Consolas" panose="020B0609020204030204" pitchFamily="49" charset="0"/>
+              </a:rPr>
+              <a:t>++){</a:t>
+            </a:r>
+          </a:p>
+          <a:p>
+            <a:pPr marL="0" indent="0">
+              <a:buNone/>
+            </a:pPr>
+            <a:r>
+              <a:rPr lang="en-US" b="0" dirty="0">
+                <a:solidFill>
+                  <a:srgbClr val="000000"/>
+                </a:solidFill>
+                <a:effectLst/>
+                <a:latin typeface="Consolas" panose="020B0609020204030204" pitchFamily="49" charset="0"/>
+              </a:rPr>
+              <a:t>  </a:t>
+            </a:r>
+            <a:r>
+              <a:rPr lang="en-US" b="0" dirty="0">
+                <a:solidFill>
+                  <a:srgbClr val="0000FF"/>
+                </a:solidFill>
+                <a:effectLst/>
+                <a:latin typeface="Consolas" panose="020B0609020204030204" pitchFamily="49" charset="0"/>
+              </a:rPr>
+              <a:t>for</a:t>
+            </a:r>
+            <a:r>
+              <a:rPr lang="en-US" b="0" dirty="0">
+                <a:solidFill>
+                  <a:srgbClr val="000000"/>
+                </a:solidFill>
+                <a:effectLst/>
+                <a:latin typeface="Consolas" panose="020B0609020204030204" pitchFamily="49" charset="0"/>
+              </a:rPr>
+              <a:t>(</a:t>
+            </a:r>
+            <a:r>
+              <a:rPr lang="en-US" b="0" dirty="0">
+                <a:solidFill>
+                  <a:srgbClr val="0000FF"/>
+                </a:solidFill>
+                <a:effectLst/>
+                <a:latin typeface="Consolas" panose="020B0609020204030204" pitchFamily="49" charset="0"/>
+              </a:rPr>
+              <a:t>int</a:t>
+            </a:r>
+            <a:r>
+              <a:rPr lang="en-US" b="0" dirty="0">
+                <a:solidFill>
+                  <a:srgbClr val="000000"/>
+                </a:solidFill>
+                <a:effectLst/>
+                <a:latin typeface="Consolas" panose="020B0609020204030204" pitchFamily="49" charset="0"/>
+              </a:rPr>
+              <a:t> j = </a:t>
+            </a:r>
+            <a:r>
+              <a:rPr lang="en-US" b="0" dirty="0">
+                <a:solidFill>
+                  <a:srgbClr val="098658"/>
+                </a:solidFill>
+                <a:effectLst/>
+                <a:latin typeface="Consolas" panose="020B0609020204030204" pitchFamily="49" charset="0"/>
+              </a:rPr>
+              <a:t>0</a:t>
+            </a:r>
+            <a:r>
+              <a:rPr lang="en-US" b="0" dirty="0">
+                <a:solidFill>
+                  <a:srgbClr val="000000"/>
+                </a:solidFill>
+                <a:effectLst/>
+                <a:latin typeface="Consolas" panose="020B0609020204030204" pitchFamily="49" charset="0"/>
+              </a:rPr>
+              <a:t>; j &lt; array.length-</a:t>
+            </a:r>
+            <a:r>
+              <a:rPr lang="en-US" b="0" dirty="0">
+                <a:solidFill>
+                  <a:srgbClr val="098658"/>
+                </a:solidFill>
+                <a:effectLst/>
+                <a:latin typeface="Consolas" panose="020B0609020204030204" pitchFamily="49" charset="0"/>
+              </a:rPr>
+              <a:t>1-i</a:t>
+            </a:r>
+            <a:r>
+              <a:rPr lang="en-US" b="0" dirty="0">
+                <a:solidFill>
+                  <a:srgbClr val="000000"/>
+                </a:solidFill>
+                <a:effectLst/>
+                <a:latin typeface="Consolas" panose="020B0609020204030204" pitchFamily="49" charset="0"/>
+              </a:rPr>
+              <a:t>; </a:t>
+            </a:r>
+            <a:r>
+              <a:rPr lang="en-US" b="0" dirty="0" err="1">
+                <a:solidFill>
+                  <a:srgbClr val="000000"/>
+                </a:solidFill>
+                <a:effectLst/>
+                <a:latin typeface="Consolas" panose="020B0609020204030204" pitchFamily="49" charset="0"/>
+              </a:rPr>
+              <a:t>j++</a:t>
+            </a:r>
+            <a:r>
+              <a:rPr lang="en-US" b="0" dirty="0">
+                <a:solidFill>
+                  <a:srgbClr val="000000"/>
+                </a:solidFill>
+                <a:effectLst/>
+                <a:latin typeface="Consolas" panose="020B0609020204030204" pitchFamily="49" charset="0"/>
+              </a:rPr>
+              <a:t>){</a:t>
+            </a:r>
+          </a:p>
+          <a:p>
+            <a:pPr marL="0" indent="0">
+              <a:buNone/>
+            </a:pPr>
+            <a:r>
+              <a:rPr lang="en-US" b="0" dirty="0">
+                <a:solidFill>
+                  <a:srgbClr val="000000"/>
+                </a:solidFill>
+                <a:effectLst/>
+                <a:latin typeface="Consolas" panose="020B0609020204030204" pitchFamily="49" charset="0"/>
+              </a:rPr>
+              <a:t>    </a:t>
+            </a:r>
+            <a:r>
+              <a:rPr lang="en-US" b="0" dirty="0">
+                <a:solidFill>
+                  <a:srgbClr val="0000FF"/>
+                </a:solidFill>
+                <a:effectLst/>
+                <a:latin typeface="Consolas" panose="020B0609020204030204" pitchFamily="49" charset="0"/>
+              </a:rPr>
+              <a:t>if</a:t>
+            </a:r>
+            <a:r>
+              <a:rPr lang="en-US" b="0" dirty="0">
+                <a:solidFill>
+                  <a:srgbClr val="000000"/>
+                </a:solidFill>
+                <a:effectLst/>
+                <a:latin typeface="Consolas" panose="020B0609020204030204" pitchFamily="49" charset="0"/>
+              </a:rPr>
+              <a:t>(array[j] &gt; array[j+</a:t>
+            </a:r>
+            <a:r>
+              <a:rPr lang="en-US" b="0" dirty="0">
+                <a:solidFill>
+                  <a:srgbClr val="098658"/>
+                </a:solidFill>
+                <a:effectLst/>
+                <a:latin typeface="Consolas" panose="020B0609020204030204" pitchFamily="49" charset="0"/>
+              </a:rPr>
+              <a:t>1</a:t>
+            </a:r>
+            <a:r>
+              <a:rPr lang="en-US" b="0" dirty="0">
+                <a:solidFill>
+                  <a:srgbClr val="000000"/>
+                </a:solidFill>
+                <a:effectLst/>
+                <a:latin typeface="Consolas" panose="020B0609020204030204" pitchFamily="49" charset="0"/>
+              </a:rPr>
+              <a:t>])</a:t>
+            </a:r>
+          </a:p>
+          <a:p>
+            <a:pPr marL="0" indent="0">
+              <a:buNone/>
+            </a:pPr>
+            <a:r>
+              <a:rPr lang="en-US" b="0" dirty="0">
+                <a:solidFill>
+                  <a:srgbClr val="000000"/>
+                </a:solidFill>
+                <a:effectLst/>
+                <a:latin typeface="Consolas" panose="020B0609020204030204" pitchFamily="49" charset="0"/>
+              </a:rPr>
+              <a:t>      swap(array[j], array[j+</a:t>
+            </a:r>
+            <a:r>
+              <a:rPr lang="en-US" b="0" dirty="0">
+                <a:solidFill>
+                  <a:srgbClr val="098658"/>
+                </a:solidFill>
+                <a:effectLst/>
+                <a:latin typeface="Consolas" panose="020B0609020204030204" pitchFamily="49" charset="0"/>
+              </a:rPr>
+              <a:t>1</a:t>
+            </a:r>
+            <a:r>
+              <a:rPr lang="en-US" b="0" dirty="0">
+                <a:solidFill>
+                  <a:srgbClr val="000000"/>
+                </a:solidFill>
+                <a:effectLst/>
+                <a:latin typeface="Consolas" panose="020B0609020204030204" pitchFamily="49" charset="0"/>
+              </a:rPr>
+              <a:t>]);</a:t>
+            </a:r>
+          </a:p>
+          <a:p>
+            <a:pPr marL="0" indent="0">
+              <a:buNone/>
+            </a:pPr>
+            <a:r>
+              <a:rPr lang="en-US" b="0" dirty="0">
+                <a:solidFill>
+                  <a:srgbClr val="000000"/>
+                </a:solidFill>
+                <a:effectLst/>
+                <a:latin typeface="Consolas" panose="020B0609020204030204" pitchFamily="49" charset="0"/>
+              </a:rPr>
+              <a:t>  }</a:t>
+            </a:r>
+          </a:p>
+          <a:p>
+            <a:pPr marL="0" indent="0">
+              <a:buNone/>
+            </a:pPr>
+            <a:r>
+              <a:rPr lang="en-US" b="0" dirty="0">
+                <a:solidFill>
+                  <a:srgbClr val="000000"/>
+                </a:solidFill>
+                <a:effectLst/>
+                <a:latin typeface="Consolas" panose="020B0609020204030204" pitchFamily="49" charset="0"/>
+              </a:rPr>
+              <a:t>}</a:t>
+            </a:r>
+          </a:p>
+          <a:p>
+            <a:pPr marL="0" indent="0">
+              <a:buNone/>
+            </a:pPr>
+            <a:endParaRPr lang="en-US" dirty="0">
+              <a:solidFill>
+                <a:srgbClr val="000000"/>
+              </a:solidFill>
+              <a:latin typeface="Consolas" panose="020B0609020204030204" pitchFamily="49" charset="0"/>
+            </a:endParaRPr>
+          </a:p>
+          <a:p>
+            <a:pPr marL="0" indent="0">
+              <a:buNone/>
+            </a:pPr>
+            <a:r>
+              <a:rPr lang="en-US" b="0" dirty="0">
+                <a:solidFill>
+                  <a:srgbClr val="000000"/>
+                </a:solidFill>
+                <a:effectLst/>
+                <a:latin typeface="Consolas" panose="020B0609020204030204" pitchFamily="49" charset="0"/>
+              </a:rPr>
+              <a:t>What is the Big-O?</a:t>
+            </a:r>
+          </a:p>
+          <a:p>
+            <a:pPr marL="0" indent="0">
+              <a:buNone/>
+            </a:pPr>
+            <a:endParaRPr lang="en-US" dirty="0">
+              <a:latin typeface="Courier New" panose="02070309020205020404" pitchFamily="49" charset="0"/>
+              <a:cs typeface="Courier New" panose="02070309020205020404" pitchFamily="49" charset="0"/>
+            </a:endParaRPr>
+          </a:p>
+        </p:txBody>
+      </p:sp>
+    </p:spTree>
+    <p:extLst>
+      <p:ext uri="{BB962C8B-B14F-4D97-AF65-F5344CB8AC3E}">
+        <p14:creationId xmlns:p14="http://schemas.microsoft.com/office/powerpoint/2010/main" val="3915216527"/>
+      </p:ext>
+    </p:extLst>
+  </p:cSld>
+  <p:clrMapOvr>
+    <a:masterClrMapping/>
+  </p:clrMapOvr>
+</p:sld>
+</file>
+
+<file path=ppt/slides/slide13.xml><?xml version="1.0" encoding="utf-8"?>
+<p:sld xmlns:a="http://schemas.openxmlformats.org/drawingml/2006/main" xmlns:r="http://schemas.openxmlformats.org/officeDocument/2006/relationships" xmlns:p="http://schemas.openxmlformats.org/presentationml/2006/main">
+  <p:cSld>
+    <p:spTree>
+      <p:nvGrpSpPr>
+        <p:cNvPr id="1" name=""/>
+        <p:cNvGrpSpPr/>
+        <p:nvPr/>
+      </p:nvGrpSpPr>
+      <p:grpSpPr>
+        <a:xfrm>
+          <a:off x="0" y="0"/>
+          <a:ext cx="0" cy="0"/>
+          <a:chOff x="0" y="0"/>
+          <a:chExt cx="0" cy="0"/>
+        </a:xfrm>
+      </p:grpSpPr>
+      <p:sp>
+        <p:nvSpPr>
+          <p:cNvPr id="2" name="Title 1">
+            <a:extLst>
+              <a:ext uri="{FF2B5EF4-FFF2-40B4-BE49-F238E27FC236}">
+                <a16:creationId xmlns:a16="http://schemas.microsoft.com/office/drawing/2014/main" id="{78741872-0E18-4EE2-9B30-6A8F3A0EB9A0}"/>
+              </a:ext>
+            </a:extLst>
+          </p:cNvPr>
+          <p:cNvSpPr>
+            <a:spLocks noGrp="1"/>
+          </p:cNvSpPr>
+          <p:nvPr>
+            <p:ph type="title"/>
+          </p:nvPr>
+        </p:nvSpPr>
+        <p:spPr/>
+        <p:txBody>
+          <a:bodyPr/>
+          <a:lstStyle/>
+          <a:p>
+            <a:endParaRPr lang="en-US"/>
+          </a:p>
+        </p:txBody>
+      </p:sp>
+      <mc:AlternateContent xmlns:mc="http://schemas.openxmlformats.org/markup-compatibility/2006">
+        <mc:Choice xmlns:a14="http://schemas.microsoft.com/office/drawing/2010/main" Requires="a14">
+          <p:sp>
+            <p:nvSpPr>
+              <p:cNvPr id="3" name="Content Placeholder 2">
+                <a:extLst>
+                  <a:ext uri="{FF2B5EF4-FFF2-40B4-BE49-F238E27FC236}">
+                    <a16:creationId xmlns:a16="http://schemas.microsoft.com/office/drawing/2014/main" id="{C3E3F919-11A9-43E3-8B26-256B2DA09CC3}"/>
+                  </a:ext>
+                </a:extLst>
+              </p:cNvPr>
+              <p:cNvSpPr>
+                <a:spLocks noGrp="1"/>
+              </p:cNvSpPr>
+              <p:nvPr>
+                <p:ph idx="1"/>
+              </p:nvPr>
+            </p:nvSpPr>
+            <p:spPr/>
+            <p:txBody>
+              <a:bodyPr/>
+              <a:lstStyle/>
+              <a:p>
+                <a:pPr marL="0" indent="0">
+                  <a:buNone/>
+                </a:pPr>
+                <a14:m>
+                  <m:oMathPara xmlns:m="http://schemas.openxmlformats.org/officeDocument/2006/math">
+                    <m:oMathParaPr>
+                      <m:jc m:val="centerGroup"/>
+                    </m:oMathParaPr>
+                    <m:oMath xmlns:m="http://schemas.openxmlformats.org/officeDocument/2006/math">
+                      <m:r>
+                        <a:rPr lang="en-US" b="0" i="1" smtClean="0">
+                          <a:latin typeface="Cambria Math" panose="02040503050406030204" pitchFamily="18" charset="0"/>
+                        </a:rPr>
+                        <m:t>𝑂</m:t>
+                      </m:r>
+                      <m:d>
+                        <m:dPr>
+                          <m:ctrlPr>
+                            <a:rPr lang="en-US" b="0" i="1" smtClean="0">
+                              <a:latin typeface="Cambria Math" panose="02040503050406030204" pitchFamily="18" charset="0"/>
+                            </a:rPr>
+                          </m:ctrlPr>
+                        </m:dPr>
+                        <m:e>
+                          <m:sSup>
+                            <m:sSupPr>
+                              <m:ctrlPr>
+                                <a:rPr lang="en-US" b="0" i="1" smtClean="0">
+                                  <a:latin typeface="Cambria Math" panose="02040503050406030204" pitchFamily="18" charset="0"/>
+                                </a:rPr>
+                              </m:ctrlPr>
+                            </m:sSupPr>
+                            <m:e>
+                              <m:r>
+                                <a:rPr lang="en-US" b="0" i="1" smtClean="0">
+                                  <a:latin typeface="Cambria Math" panose="02040503050406030204" pitchFamily="18" charset="0"/>
+                                </a:rPr>
+                                <m:t>𝑁</m:t>
+                              </m:r>
+                            </m:e>
+                            <m:sup>
+                              <m:r>
+                                <a:rPr lang="en-US" b="0" i="1" smtClean="0">
+                                  <a:latin typeface="Cambria Math" panose="02040503050406030204" pitchFamily="18" charset="0"/>
+                                </a:rPr>
+                                <m:t>2</m:t>
+                              </m:r>
+                            </m:sup>
+                          </m:sSup>
+                        </m:e>
+                      </m:d>
+                      <m:r>
+                        <a:rPr lang="en-US" b="0" i="1" smtClean="0">
+                          <a:latin typeface="Cambria Math" panose="02040503050406030204" pitchFamily="18" charset="0"/>
+                        </a:rPr>
+                        <m:t>𝑣</m:t>
+                      </m:r>
+                      <m:r>
+                        <a:rPr lang="en-US" b="0" i="1" smtClean="0">
+                          <a:latin typeface="Cambria Math" panose="02040503050406030204" pitchFamily="18" charset="0"/>
+                        </a:rPr>
+                        <m:t>.</m:t>
+                      </m:r>
+                      <m:r>
+                        <a:rPr lang="en-US" b="0" i="1" smtClean="0">
+                          <a:latin typeface="Cambria Math" panose="02040503050406030204" pitchFamily="18" charset="0"/>
+                        </a:rPr>
+                        <m:t>𝑂</m:t>
+                      </m:r>
+                      <m:d>
+                        <m:dPr>
+                          <m:ctrlPr>
+                            <a:rPr lang="en-US" b="0" i="1" smtClean="0">
+                              <a:latin typeface="Cambria Math" panose="02040503050406030204" pitchFamily="18" charset="0"/>
+                            </a:rPr>
+                          </m:ctrlPr>
+                        </m:dPr>
+                        <m:e>
+                          <m:f>
+                            <m:fPr>
+                              <m:ctrlPr>
+                                <a:rPr lang="en-US" b="0" i="1" smtClean="0">
+                                  <a:latin typeface="Cambria Math" panose="02040503050406030204" pitchFamily="18" charset="0"/>
+                                </a:rPr>
+                              </m:ctrlPr>
+                            </m:fPr>
+                            <m:num>
+                              <m:sSup>
+                                <m:sSupPr>
+                                  <m:ctrlPr>
+                                    <a:rPr lang="en-US" b="0" i="1" smtClean="0">
+                                      <a:latin typeface="Cambria Math" panose="02040503050406030204" pitchFamily="18" charset="0"/>
+                                    </a:rPr>
+                                  </m:ctrlPr>
+                                </m:sSupPr>
+                                <m:e>
+                                  <m:r>
+                                    <a:rPr lang="en-US" b="0" i="1" smtClean="0">
+                                      <a:latin typeface="Cambria Math" panose="02040503050406030204" pitchFamily="18" charset="0"/>
+                                    </a:rPr>
+                                    <m:t>𝑁</m:t>
+                                  </m:r>
+                                </m:e>
+                                <m:sup>
+                                  <m:r>
+                                    <a:rPr lang="en-US" b="0" i="1" smtClean="0">
+                                      <a:latin typeface="Cambria Math" panose="02040503050406030204" pitchFamily="18" charset="0"/>
+                                    </a:rPr>
+                                    <m:t>2</m:t>
+                                  </m:r>
+                                </m:sup>
+                              </m:sSup>
+                            </m:num>
+                            <m:den>
+                              <m:r>
+                                <a:rPr lang="en-US" b="0" i="1" smtClean="0">
+                                  <a:latin typeface="Cambria Math" panose="02040503050406030204" pitchFamily="18" charset="0"/>
+                                </a:rPr>
+                                <m:t>2</m:t>
+                              </m:r>
+                            </m:den>
+                          </m:f>
+                        </m:e>
+                      </m:d>
+                    </m:oMath>
+                  </m:oMathPara>
+                </a14:m>
+                <a:endParaRPr lang="en-US" dirty="0"/>
+              </a:p>
+            </p:txBody>
+          </p:sp>
+        </mc:Choice>
+        <mc:Fallback>
+          <p:sp>
+            <p:nvSpPr>
+              <p:cNvPr id="3" name="Content Placeholder 2">
+                <a:extLst>
+                  <a:ext uri="{FF2B5EF4-FFF2-40B4-BE49-F238E27FC236}">
+                    <a16:creationId xmlns:a16="http://schemas.microsoft.com/office/drawing/2014/main" id="{C3E3F919-11A9-43E3-8B26-256B2DA09CC3}"/>
+                  </a:ext>
+                </a:extLst>
+              </p:cNvPr>
+              <p:cNvSpPr>
+                <a:spLocks noGrp="1" noRot="1" noChangeAspect="1" noMove="1" noResize="1" noEditPoints="1" noAdjustHandles="1" noChangeArrowheads="1" noChangeShapeType="1" noTextEdit="1"/>
+              </p:cNvSpPr>
+              <p:nvPr>
+                <p:ph idx="1"/>
+              </p:nvPr>
+            </p:nvSpPr>
+            <p:spPr>
+              <a:blipFill>
+                <a:blip r:embed="rId2"/>
+                <a:stretch>
+                  <a:fillRect/>
+                </a:stretch>
+              </a:blipFill>
+            </p:spPr>
+            <p:txBody>
+              <a:bodyPr/>
+              <a:lstStyle/>
+              <a:p>
+                <a:r>
+                  <a:rPr lang="en-US">
+                    <a:noFill/>
+                  </a:rPr>
+                  <a:t> </a:t>
+                </a:r>
+              </a:p>
+            </p:txBody>
+          </p:sp>
+        </mc:Fallback>
+      </mc:AlternateContent>
+    </p:spTree>
+    <p:extLst>
+      <p:ext uri="{BB962C8B-B14F-4D97-AF65-F5344CB8AC3E}">
+        <p14:creationId xmlns:p14="http://schemas.microsoft.com/office/powerpoint/2010/main" val="990555829"/>
+      </p:ext>
+    </p:extLst>
+  </p:cSld>
+  <p:clrMapOvr>
+    <a:masterClrMapping/>
+  </p:clrMapOvr>
+</p:sld>
+</file>
+
 <file path=ppt/slides/slide2.xml><?xml version="1.0" encoding="utf-8"?>
 <p:sld xmlns:a="http://schemas.openxmlformats.org/drawingml/2006/main" xmlns:r="http://schemas.openxmlformats.org/officeDocument/2006/relationships" xmlns:p="http://schemas.openxmlformats.org/presentationml/2006/main">
   <p:cSld>
@@ -3756,6 +5477,104 @@
           <a:p>
             <a:pPr algn="ctr"/>
             <a:endParaRPr lang="en-US"/>
+          </a:p>
+        </p:txBody>
+      </p:sp>
+      <p:sp>
+        <p:nvSpPr>
+          <p:cNvPr id="13" name="Rectangle 12">
+            <a:extLst>
+              <a:ext uri="{FF2B5EF4-FFF2-40B4-BE49-F238E27FC236}">
+                <a16:creationId xmlns:a16="http://schemas.microsoft.com/office/drawing/2014/main" id="{CC5B274D-A9A8-4108-9864-9111DFBA52D2}"/>
+              </a:ext>
+            </a:extLst>
+          </p:cNvPr>
+          <p:cNvSpPr/>
+          <p:nvPr/>
+        </p:nvSpPr>
+        <p:spPr>
+          <a:xfrm>
+            <a:off x="1814221" y="3076527"/>
+            <a:ext cx="914400" cy="914400"/>
+          </a:xfrm>
+          <a:prstGeom prst="rect">
+            <a:avLst/>
+          </a:prstGeom>
+        </p:spPr>
+        <p:style>
+          <a:lnRef idx="2">
+            <a:schemeClr val="accent1">
+              <a:shade val="50000"/>
+            </a:schemeClr>
+          </a:lnRef>
+          <a:fillRef idx="1">
+            <a:schemeClr val="accent1"/>
+          </a:fillRef>
+          <a:effectRef idx="0">
+            <a:schemeClr val="accent1"/>
+          </a:effectRef>
+          <a:fontRef idx="minor">
+            <a:schemeClr val="lt1"/>
+          </a:fontRef>
+        </p:style>
+        <p:txBody>
+          <a:bodyPr rtlCol="0" anchor="ctr"/>
+          <a:lstStyle/>
+          <a:p>
+            <a:pPr algn="ctr"/>
+            <a:r>
+              <a:rPr lang="en-US" sz="4000" dirty="0"/>
+              <a:t>3</a:t>
+            </a:r>
+          </a:p>
+        </p:txBody>
+      </p:sp>
+      <p:sp>
+        <p:nvSpPr>
+          <p:cNvPr id="14" name="Rectangle 13">
+            <a:extLst>
+              <a:ext uri="{FF2B5EF4-FFF2-40B4-BE49-F238E27FC236}">
+                <a16:creationId xmlns:a16="http://schemas.microsoft.com/office/drawing/2014/main" id="{7AAAE023-886B-42D7-93FB-DCD0836CA8BA}"/>
+              </a:ext>
+            </a:extLst>
+          </p:cNvPr>
+          <p:cNvSpPr/>
+          <p:nvPr/>
+        </p:nvSpPr>
+        <p:spPr>
+          <a:xfrm>
+            <a:off x="2992339" y="3076527"/>
+            <a:ext cx="914400" cy="914400"/>
+          </a:xfrm>
+          <a:prstGeom prst="rect">
+            <a:avLst/>
+          </a:prstGeom>
+        </p:spPr>
+        <p:style>
+          <a:lnRef idx="2">
+            <a:schemeClr val="accent1">
+              <a:shade val="50000"/>
+            </a:schemeClr>
+          </a:lnRef>
+          <a:fillRef idx="1">
+            <a:schemeClr val="accent1"/>
+          </a:fillRef>
+          <a:effectRef idx="0">
+            <a:schemeClr val="accent1"/>
+          </a:effectRef>
+          <a:fontRef idx="minor">
+            <a:schemeClr val="lt1"/>
+          </a:fontRef>
+        </p:style>
+        <p:txBody>
+          <a:bodyPr rtlCol="0" anchor="ctr"/>
+          <a:lstStyle/>
+          <a:p>
+            <a:pPr algn="ctr"/>
+            <a:r>
+              <a:rPr lang="en-US" sz="4000" dirty="0"/>
+              <a:t>4</a:t>
+            </a:r>
           </a:p>
         </p:txBody>
       </p:sp>
@@ -4126,6 +5945,104 @@
           </a:p>
         </p:txBody>
       </p:sp>
+      <p:sp>
+        <p:nvSpPr>
+          <p:cNvPr id="11" name="Rectangle 10">
+            <a:extLst>
+              <a:ext uri="{FF2B5EF4-FFF2-40B4-BE49-F238E27FC236}">
+                <a16:creationId xmlns:a16="http://schemas.microsoft.com/office/drawing/2014/main" id="{414AE64B-31DA-48CE-8468-9DB7B0E51A70}"/>
+              </a:ext>
+            </a:extLst>
+          </p:cNvPr>
+          <p:cNvSpPr/>
+          <p:nvPr/>
+        </p:nvSpPr>
+        <p:spPr>
+          <a:xfrm>
+            <a:off x="2992339" y="3020868"/>
+            <a:ext cx="914400" cy="914400"/>
+          </a:xfrm>
+          <a:prstGeom prst="rect">
+            <a:avLst/>
+          </a:prstGeom>
+        </p:spPr>
+        <p:style>
+          <a:lnRef idx="2">
+            <a:schemeClr val="accent1">
+              <a:shade val="50000"/>
+            </a:schemeClr>
+          </a:lnRef>
+          <a:fillRef idx="1">
+            <a:schemeClr val="accent1"/>
+          </a:fillRef>
+          <a:effectRef idx="0">
+            <a:schemeClr val="accent1"/>
+          </a:effectRef>
+          <a:fontRef idx="minor">
+            <a:schemeClr val="lt1"/>
+          </a:fontRef>
+        </p:style>
+        <p:txBody>
+          <a:bodyPr rtlCol="0" anchor="ctr"/>
+          <a:lstStyle/>
+          <a:p>
+            <a:pPr algn="ctr"/>
+            <a:r>
+              <a:rPr lang="en-US" sz="4000" dirty="0"/>
+              <a:t>1</a:t>
+            </a:r>
+          </a:p>
+        </p:txBody>
+      </p:sp>
+      <p:sp>
+        <p:nvSpPr>
+          <p:cNvPr id="12" name="Rectangle 11">
+            <a:extLst>
+              <a:ext uri="{FF2B5EF4-FFF2-40B4-BE49-F238E27FC236}">
+                <a16:creationId xmlns:a16="http://schemas.microsoft.com/office/drawing/2014/main" id="{E20C5F2B-96B2-4375-ABCD-82568CE0D77A}"/>
+              </a:ext>
+            </a:extLst>
+          </p:cNvPr>
+          <p:cNvSpPr/>
+          <p:nvPr/>
+        </p:nvSpPr>
+        <p:spPr>
+          <a:xfrm>
+            <a:off x="4170458" y="3020868"/>
+            <a:ext cx="914400" cy="914400"/>
+          </a:xfrm>
+          <a:prstGeom prst="rect">
+            <a:avLst/>
+          </a:prstGeom>
+        </p:spPr>
+        <p:style>
+          <a:lnRef idx="2">
+            <a:schemeClr val="accent1">
+              <a:shade val="50000"/>
+            </a:schemeClr>
+          </a:lnRef>
+          <a:fillRef idx="1">
+            <a:schemeClr val="accent1"/>
+          </a:fillRef>
+          <a:effectRef idx="0">
+            <a:schemeClr val="accent1"/>
+          </a:effectRef>
+          <a:fontRef idx="minor">
+            <a:schemeClr val="lt1"/>
+          </a:fontRef>
+        </p:style>
+        <p:txBody>
+          <a:bodyPr rtlCol="0" anchor="ctr"/>
+          <a:lstStyle/>
+          <a:p>
+            <a:pPr algn="ctr"/>
+            <a:r>
+              <a:rPr lang="en-US" sz="4000" dirty="0"/>
+              <a:t>4</a:t>
+            </a:r>
+          </a:p>
+        </p:txBody>
+      </p:sp>
     </p:spTree>
     <p:extLst>
       <p:ext uri="{BB962C8B-B14F-4D97-AF65-F5344CB8AC3E}">
@@ -4493,6 +6410,41 @@
           </a:p>
         </p:txBody>
       </p:sp>
+      <p:sp>
+        <p:nvSpPr>
+          <p:cNvPr id="2" name="TextBox 1">
+            <a:extLst>
+              <a:ext uri="{FF2B5EF4-FFF2-40B4-BE49-F238E27FC236}">
+                <a16:creationId xmlns:a16="http://schemas.microsoft.com/office/drawing/2014/main" id="{910D042D-062F-4471-94B4-AB49385C78B0}"/>
+              </a:ext>
+            </a:extLst>
+          </p:cNvPr>
+          <p:cNvSpPr txBox="1"/>
+          <p:nvPr/>
+        </p:nvSpPr>
+        <p:spPr>
+          <a:xfrm>
+            <a:off x="4683318" y="3315694"/>
+            <a:ext cx="1007327" cy="369332"/>
+          </a:xfrm>
+          <a:prstGeom prst="rect">
+            <a:avLst/>
+          </a:prstGeom>
+          <a:noFill/>
+        </p:spPr>
+        <p:txBody>
+          <a:bodyPr wrap="none" rtlCol="0">
+            <a:spAutoFit/>
+          </a:bodyPr>
+          <a:lstStyle/>
+          <a:p>
+            <a:r>
+              <a:rPr lang="en-US" dirty="0"/>
+              <a:t>No Swap</a:t>
+            </a:r>
+          </a:p>
+        </p:txBody>
+      </p:sp>
     </p:spTree>
     <p:extLst>
       <p:ext uri="{BB962C8B-B14F-4D97-AF65-F5344CB8AC3E}">
@@ -4860,6 +6812,104 @@
           </a:p>
         </p:txBody>
       </p:sp>
+      <p:sp>
+        <p:nvSpPr>
+          <p:cNvPr id="11" name="Rectangle 10">
+            <a:extLst>
+              <a:ext uri="{FF2B5EF4-FFF2-40B4-BE49-F238E27FC236}">
+                <a16:creationId xmlns:a16="http://schemas.microsoft.com/office/drawing/2014/main" id="{118BC136-49D0-417F-A1FF-605F501A15DA}"/>
+              </a:ext>
+            </a:extLst>
+          </p:cNvPr>
+          <p:cNvSpPr/>
+          <p:nvPr/>
+        </p:nvSpPr>
+        <p:spPr>
+          <a:xfrm>
+            <a:off x="5353877" y="3144254"/>
+            <a:ext cx="914400" cy="914400"/>
+          </a:xfrm>
+          <a:prstGeom prst="rect">
+            <a:avLst/>
+          </a:prstGeom>
+        </p:spPr>
+        <p:style>
+          <a:lnRef idx="2">
+            <a:schemeClr val="accent1">
+              <a:shade val="50000"/>
+            </a:schemeClr>
+          </a:lnRef>
+          <a:fillRef idx="1">
+            <a:schemeClr val="accent1"/>
+          </a:fillRef>
+          <a:effectRef idx="0">
+            <a:schemeClr val="accent1"/>
+          </a:effectRef>
+          <a:fontRef idx="minor">
+            <a:schemeClr val="lt1"/>
+          </a:fontRef>
+        </p:style>
+        <p:txBody>
+          <a:bodyPr rtlCol="0" anchor="ctr"/>
+          <a:lstStyle/>
+          <a:p>
+            <a:pPr algn="ctr"/>
+            <a:r>
+              <a:rPr lang="en-US" sz="4000" dirty="0"/>
+              <a:t>2</a:t>
+            </a:r>
+          </a:p>
+        </p:txBody>
+      </p:sp>
+      <p:sp>
+        <p:nvSpPr>
+          <p:cNvPr id="12" name="Rectangle 11">
+            <a:extLst>
+              <a:ext uri="{FF2B5EF4-FFF2-40B4-BE49-F238E27FC236}">
+                <a16:creationId xmlns:a16="http://schemas.microsoft.com/office/drawing/2014/main" id="{335FCDE8-EFEE-4E8D-8D3F-9A75ADD45360}"/>
+              </a:ext>
+            </a:extLst>
+          </p:cNvPr>
+          <p:cNvSpPr/>
+          <p:nvPr/>
+        </p:nvSpPr>
+        <p:spPr>
+          <a:xfrm>
+            <a:off x="6526694" y="3144254"/>
+            <a:ext cx="914400" cy="914400"/>
+          </a:xfrm>
+          <a:prstGeom prst="rect">
+            <a:avLst/>
+          </a:prstGeom>
+        </p:spPr>
+        <p:style>
+          <a:lnRef idx="2">
+            <a:schemeClr val="accent1">
+              <a:shade val="50000"/>
+            </a:schemeClr>
+          </a:lnRef>
+          <a:fillRef idx="1">
+            <a:schemeClr val="accent1"/>
+          </a:fillRef>
+          <a:effectRef idx="0">
+            <a:schemeClr val="accent1"/>
+          </a:effectRef>
+          <a:fontRef idx="minor">
+            <a:schemeClr val="lt1"/>
+          </a:fontRef>
+        </p:style>
+        <p:txBody>
+          <a:bodyPr rtlCol="0" anchor="ctr"/>
+          <a:lstStyle/>
+          <a:p>
+            <a:pPr algn="ctr"/>
+            <a:r>
+              <a:rPr lang="en-US" sz="4000" dirty="0"/>
+              <a:t>5</a:t>
+            </a:r>
+          </a:p>
+        </p:txBody>
+      </p:sp>
     </p:spTree>
     <p:extLst>
       <p:ext uri="{BB962C8B-B14F-4D97-AF65-F5344CB8AC3E}">
@@ -5137,10 +7187,81 @@
       </p:sp>
       <p:sp>
         <p:nvSpPr>
-          <p:cNvPr id="9" name="Arrow: Down 8">
-            <a:extLst>
-              <a:ext uri="{FF2B5EF4-FFF2-40B4-BE49-F238E27FC236}">
-                <a16:creationId xmlns:a16="http://schemas.microsoft.com/office/drawing/2014/main" id="{10F351CA-F5FA-44A1-BDE9-D85258FE7B5A}"/>
+          <p:cNvPr id="2" name="TextBox 1">
+            <a:extLst>
+              <a:ext uri="{FF2B5EF4-FFF2-40B4-BE49-F238E27FC236}">
+                <a16:creationId xmlns:a16="http://schemas.microsoft.com/office/drawing/2014/main" id="{19A749AF-2E29-4859-B78A-2099217DAD9F}"/>
+              </a:ext>
+            </a:extLst>
+          </p:cNvPr>
+          <p:cNvSpPr txBox="1"/>
+          <p:nvPr/>
+        </p:nvSpPr>
+        <p:spPr>
+          <a:xfrm>
+            <a:off x="1814221" y="2194560"/>
+            <a:ext cx="6208366" cy="646331"/>
+          </a:xfrm>
+          <a:prstGeom prst="rect">
+            <a:avLst/>
+          </a:prstGeom>
+          <a:noFill/>
+        </p:spPr>
+        <p:txBody>
+          <a:bodyPr wrap="none" rtlCol="0">
+            <a:spAutoFit/>
+          </a:bodyPr>
+          <a:lstStyle/>
+          <a:p>
+            <a:r>
+              <a:rPr lang="en-US" dirty="0"/>
+              <a:t>Is the list sorted?</a:t>
+            </a:r>
+          </a:p>
+          <a:p>
+            <a:r>
+              <a:rPr lang="en-US" dirty="0"/>
+              <a:t>How many times do we need to do this process to sort the list?</a:t>
+            </a:r>
+          </a:p>
+        </p:txBody>
+      </p:sp>
+    </p:spTree>
+    <p:extLst>
+      <p:ext uri="{BB962C8B-B14F-4D97-AF65-F5344CB8AC3E}">
+        <p14:creationId xmlns:p14="http://schemas.microsoft.com/office/powerpoint/2010/main" val="2192156118"/>
+      </p:ext>
+    </p:extLst>
+  </p:cSld>
+  <p:clrMapOvr>
+    <a:masterClrMapping/>
+  </p:clrMapOvr>
+</p:sld>
+</file>
+
+<file path=ppt/slides/slide7.xml><?xml version="1.0" encoding="utf-8"?>
+<p:sld xmlns:a="http://schemas.openxmlformats.org/drawingml/2006/main" xmlns:r="http://schemas.openxmlformats.org/officeDocument/2006/relationships" xmlns:p="http://schemas.openxmlformats.org/presentationml/2006/main">
+  <p:cSld>
+    <p:spTree>
+      <p:nvGrpSpPr>
+        <p:cNvPr id="1" name=""/>
+        <p:cNvGrpSpPr/>
+        <p:nvPr/>
+      </p:nvGrpSpPr>
+      <p:grpSpPr>
+        <a:xfrm>
+          <a:off x="0" y="0"/>
+          <a:ext cx="0" cy="0"/>
+          <a:chOff x="0" y="0"/>
+          <a:chExt cx="0" cy="0"/>
+        </a:xfrm>
+      </p:grpSpPr>
+      <p:sp>
+        <p:nvSpPr>
+          <p:cNvPr id="4" name="Rectangle 3">
+            <a:extLst>
+              <a:ext uri="{FF2B5EF4-FFF2-40B4-BE49-F238E27FC236}">
+                <a16:creationId xmlns:a16="http://schemas.microsoft.com/office/drawing/2014/main" id="{6525E4C4-98E6-4ADC-BD55-66CDEC84AFC0}"/>
               </a:ext>
             </a:extLst>
           </p:cNvPr>
@@ -5148,11 +7269,665 @@
           <p:nvPr/>
         </p:nvSpPr>
         <p:spPr>
-          <a:xfrm rot="10800000">
-            <a:off x="3152029" y="1700462"/>
-            <a:ext cx="595022" cy="1098884"/>
-          </a:xfrm>
-          <a:prstGeom prst="downArrow">
+          <a:xfrm>
+            <a:off x="2992340" y="564543"/>
+            <a:ext cx="914400" cy="914400"/>
+          </a:xfrm>
+          <a:prstGeom prst="rect">
+            <a:avLst/>
+          </a:prstGeom>
+          <a:solidFill>
+            <a:srgbClr val="4472C4">
+              <a:alpha val="54118"/>
+            </a:srgbClr>
+          </a:solidFill>
+          <a:ln>
+            <a:prstDash val="dash"/>
+          </a:ln>
+        </p:spPr>
+        <p:style>
+          <a:lnRef idx="2">
+            <a:schemeClr val="accent1">
+              <a:shade val="50000"/>
+            </a:schemeClr>
+          </a:lnRef>
+          <a:fillRef idx="1">
+            <a:schemeClr val="accent1"/>
+          </a:fillRef>
+          <a:effectRef idx="0">
+            <a:schemeClr val="accent1"/>
+          </a:effectRef>
+          <a:fontRef idx="minor">
+            <a:schemeClr val="lt1"/>
+          </a:fontRef>
+        </p:style>
+        <p:txBody>
+          <a:bodyPr rtlCol="0" anchor="ctr"/>
+          <a:lstStyle/>
+          <a:p>
+            <a:pPr algn="ctr"/>
+            <a:r>
+              <a:rPr lang="en-US" sz="4000" dirty="0"/>
+              <a:t>&gt;1</a:t>
+            </a:r>
+          </a:p>
+        </p:txBody>
+      </p:sp>
+      <p:sp>
+        <p:nvSpPr>
+          <p:cNvPr id="5" name="Rectangle 4">
+            <a:extLst>
+              <a:ext uri="{FF2B5EF4-FFF2-40B4-BE49-F238E27FC236}">
+                <a16:creationId xmlns:a16="http://schemas.microsoft.com/office/drawing/2014/main" id="{F47716A1-98AD-4600-AA4F-FE80E0C19153}"/>
+              </a:ext>
+            </a:extLst>
+          </p:cNvPr>
+          <p:cNvSpPr/>
+          <p:nvPr/>
+        </p:nvSpPr>
+        <p:spPr>
+          <a:xfrm>
+            <a:off x="5348576" y="564543"/>
+            <a:ext cx="914400" cy="914400"/>
+          </a:xfrm>
+          <a:prstGeom prst="rect">
+            <a:avLst/>
+          </a:prstGeom>
+          <a:solidFill>
+            <a:srgbClr val="4472C4">
+              <a:alpha val="54118"/>
+            </a:srgbClr>
+          </a:solidFill>
+          <a:ln>
+            <a:prstDash val="dash"/>
+          </a:ln>
+        </p:spPr>
+        <p:style>
+          <a:lnRef idx="2">
+            <a:schemeClr val="accent1">
+              <a:shade val="50000"/>
+            </a:schemeClr>
+          </a:lnRef>
+          <a:fillRef idx="1">
+            <a:schemeClr val="accent1"/>
+          </a:fillRef>
+          <a:effectRef idx="0">
+            <a:schemeClr val="accent1"/>
+          </a:effectRef>
+          <a:fontRef idx="minor">
+            <a:schemeClr val="lt1"/>
+          </a:fontRef>
+        </p:style>
+        <p:txBody>
+          <a:bodyPr rtlCol="0" anchor="ctr"/>
+          <a:lstStyle/>
+          <a:p>
+            <a:pPr algn="ctr"/>
+            <a:r>
+              <a:rPr lang="en-US" sz="4000" dirty="0"/>
+              <a:t>&gt;1</a:t>
+            </a:r>
+          </a:p>
+        </p:txBody>
+      </p:sp>
+      <p:sp>
+        <p:nvSpPr>
+          <p:cNvPr id="6" name="Rectangle 5">
+            <a:extLst>
+              <a:ext uri="{FF2B5EF4-FFF2-40B4-BE49-F238E27FC236}">
+                <a16:creationId xmlns:a16="http://schemas.microsoft.com/office/drawing/2014/main" id="{AB666139-9192-4BAE-A087-289D0E55B9D6}"/>
+              </a:ext>
+            </a:extLst>
+          </p:cNvPr>
+          <p:cNvSpPr/>
+          <p:nvPr/>
+        </p:nvSpPr>
+        <p:spPr>
+          <a:xfrm>
+            <a:off x="1814221" y="564543"/>
+            <a:ext cx="914400" cy="914400"/>
+          </a:xfrm>
+          <a:prstGeom prst="rect">
+            <a:avLst/>
+          </a:prstGeom>
+          <a:solidFill>
+            <a:srgbClr val="4472C4">
+              <a:alpha val="54118"/>
+            </a:srgbClr>
+          </a:solidFill>
+          <a:ln>
+            <a:prstDash val="dash"/>
+          </a:ln>
+        </p:spPr>
+        <p:style>
+          <a:lnRef idx="2">
+            <a:schemeClr val="accent1">
+              <a:shade val="50000"/>
+            </a:schemeClr>
+          </a:lnRef>
+          <a:fillRef idx="1">
+            <a:schemeClr val="accent1"/>
+          </a:fillRef>
+          <a:effectRef idx="0">
+            <a:schemeClr val="accent1"/>
+          </a:effectRef>
+          <a:fontRef idx="minor">
+            <a:schemeClr val="lt1"/>
+          </a:fontRef>
+        </p:style>
+        <p:txBody>
+          <a:bodyPr rtlCol="0" anchor="ctr"/>
+          <a:lstStyle/>
+          <a:p>
+            <a:pPr algn="ctr"/>
+            <a:r>
+              <a:rPr lang="en-US" sz="4000" dirty="0"/>
+              <a:t>&gt;1</a:t>
+            </a:r>
+          </a:p>
+        </p:txBody>
+      </p:sp>
+      <p:sp>
+        <p:nvSpPr>
+          <p:cNvPr id="7" name="Rectangle 6">
+            <a:extLst>
+              <a:ext uri="{FF2B5EF4-FFF2-40B4-BE49-F238E27FC236}">
+                <a16:creationId xmlns:a16="http://schemas.microsoft.com/office/drawing/2014/main" id="{F984EE9C-FF55-4923-918E-3987BF0ADE1B}"/>
+              </a:ext>
+            </a:extLst>
+          </p:cNvPr>
+          <p:cNvSpPr/>
+          <p:nvPr/>
+        </p:nvSpPr>
+        <p:spPr>
+          <a:xfrm>
+            <a:off x="4170458" y="564543"/>
+            <a:ext cx="914400" cy="914400"/>
+          </a:xfrm>
+          <a:prstGeom prst="rect">
+            <a:avLst/>
+          </a:prstGeom>
+          <a:solidFill>
+            <a:srgbClr val="4472C4">
+              <a:alpha val="54118"/>
+            </a:srgbClr>
+          </a:solidFill>
+          <a:ln>
+            <a:prstDash val="dash"/>
+          </a:ln>
+        </p:spPr>
+        <p:style>
+          <a:lnRef idx="2">
+            <a:schemeClr val="accent1">
+              <a:shade val="50000"/>
+            </a:schemeClr>
+          </a:lnRef>
+          <a:fillRef idx="1">
+            <a:schemeClr val="accent1"/>
+          </a:fillRef>
+          <a:effectRef idx="0">
+            <a:schemeClr val="accent1"/>
+          </a:effectRef>
+          <a:fontRef idx="minor">
+            <a:schemeClr val="lt1"/>
+          </a:fontRef>
+        </p:style>
+        <p:txBody>
+          <a:bodyPr rtlCol="0" anchor="ctr"/>
+          <a:lstStyle/>
+          <a:p>
+            <a:pPr algn="ctr"/>
+            <a:r>
+              <a:rPr lang="en-US" sz="4000" dirty="0"/>
+              <a:t>&gt;1</a:t>
+            </a:r>
+          </a:p>
+        </p:txBody>
+      </p:sp>
+      <p:sp>
+        <p:nvSpPr>
+          <p:cNvPr id="8" name="Rectangle 7">
+            <a:extLst>
+              <a:ext uri="{FF2B5EF4-FFF2-40B4-BE49-F238E27FC236}">
+                <a16:creationId xmlns:a16="http://schemas.microsoft.com/office/drawing/2014/main" id="{F692126E-06DD-4888-981B-6348D8B29DB4}"/>
+              </a:ext>
+            </a:extLst>
+          </p:cNvPr>
+          <p:cNvSpPr/>
+          <p:nvPr/>
+        </p:nvSpPr>
+        <p:spPr>
+          <a:xfrm>
+            <a:off x="6526694" y="564543"/>
+            <a:ext cx="914400" cy="914400"/>
+          </a:xfrm>
+          <a:prstGeom prst="rect">
+            <a:avLst/>
+          </a:prstGeom>
+        </p:spPr>
+        <p:style>
+          <a:lnRef idx="2">
+            <a:schemeClr val="accent1">
+              <a:shade val="50000"/>
+            </a:schemeClr>
+          </a:lnRef>
+          <a:fillRef idx="1">
+            <a:schemeClr val="accent1"/>
+          </a:fillRef>
+          <a:effectRef idx="0">
+            <a:schemeClr val="accent1"/>
+          </a:effectRef>
+          <a:fontRef idx="minor">
+            <a:schemeClr val="lt1"/>
+          </a:fontRef>
+        </p:style>
+        <p:txBody>
+          <a:bodyPr rtlCol="0" anchor="ctr"/>
+          <a:lstStyle/>
+          <a:p>
+            <a:pPr algn="ctr"/>
+            <a:r>
+              <a:rPr lang="en-US" sz="4000" dirty="0"/>
+              <a:t>1</a:t>
+            </a:r>
+          </a:p>
+        </p:txBody>
+      </p:sp>
+      <p:sp>
+        <p:nvSpPr>
+          <p:cNvPr id="2" name="TextBox 1">
+            <a:extLst>
+              <a:ext uri="{FF2B5EF4-FFF2-40B4-BE49-F238E27FC236}">
+                <a16:creationId xmlns:a16="http://schemas.microsoft.com/office/drawing/2014/main" id="{19A749AF-2E29-4859-B78A-2099217DAD9F}"/>
+              </a:ext>
+            </a:extLst>
+          </p:cNvPr>
+          <p:cNvSpPr txBox="1"/>
+          <p:nvPr/>
+        </p:nvSpPr>
+        <p:spPr>
+          <a:xfrm>
+            <a:off x="1814221" y="2194560"/>
+            <a:ext cx="5192575" cy="369332"/>
+          </a:xfrm>
+          <a:prstGeom prst="rect">
+            <a:avLst/>
+          </a:prstGeom>
+          <a:noFill/>
+        </p:spPr>
+        <p:txBody>
+          <a:bodyPr wrap="none" rtlCol="0">
+            <a:spAutoFit/>
+          </a:bodyPr>
+          <a:lstStyle/>
+          <a:p>
+            <a:r>
+              <a:rPr lang="en-US" dirty="0"/>
+              <a:t>How many iterations to move the 1 to the beginning?</a:t>
+            </a:r>
+          </a:p>
+        </p:txBody>
+      </p:sp>
+    </p:spTree>
+    <p:extLst>
+      <p:ext uri="{BB962C8B-B14F-4D97-AF65-F5344CB8AC3E}">
+        <p14:creationId xmlns:p14="http://schemas.microsoft.com/office/powerpoint/2010/main" val="2702811103"/>
+      </p:ext>
+    </p:extLst>
+  </p:cSld>
+  <p:clrMapOvr>
+    <a:masterClrMapping/>
+  </p:clrMapOvr>
+</p:sld>
+</file>
+
+<file path=ppt/slides/slide8.xml><?xml version="1.0" encoding="utf-8"?>
+<p:sld xmlns:a="http://schemas.openxmlformats.org/drawingml/2006/main" xmlns:r="http://schemas.openxmlformats.org/officeDocument/2006/relationships" xmlns:p="http://schemas.openxmlformats.org/presentationml/2006/main">
+  <p:cSld>
+    <p:spTree>
+      <p:nvGrpSpPr>
+        <p:cNvPr id="1" name=""/>
+        <p:cNvGrpSpPr/>
+        <p:nvPr/>
+      </p:nvGrpSpPr>
+      <p:grpSpPr>
+        <a:xfrm>
+          <a:off x="0" y="0"/>
+          <a:ext cx="0" cy="0"/>
+          <a:chOff x="0" y="0"/>
+          <a:chExt cx="0" cy="0"/>
+        </a:xfrm>
+      </p:grpSpPr>
+      <p:sp>
+        <p:nvSpPr>
+          <p:cNvPr id="4" name="Rectangle 3">
+            <a:extLst>
+              <a:ext uri="{FF2B5EF4-FFF2-40B4-BE49-F238E27FC236}">
+                <a16:creationId xmlns:a16="http://schemas.microsoft.com/office/drawing/2014/main" id="{6525E4C4-98E6-4ADC-BD55-66CDEC84AFC0}"/>
+              </a:ext>
+            </a:extLst>
+          </p:cNvPr>
+          <p:cNvSpPr/>
+          <p:nvPr/>
+        </p:nvSpPr>
+        <p:spPr>
+          <a:xfrm>
+            <a:off x="2992340" y="564543"/>
+            <a:ext cx="914400" cy="914400"/>
+          </a:xfrm>
+          <a:prstGeom prst="rect">
+            <a:avLst/>
+          </a:prstGeom>
+          <a:solidFill>
+            <a:srgbClr val="4472C4">
+              <a:alpha val="54118"/>
+            </a:srgbClr>
+          </a:solidFill>
+          <a:ln>
+            <a:prstDash val="dash"/>
+          </a:ln>
+        </p:spPr>
+        <p:style>
+          <a:lnRef idx="2">
+            <a:schemeClr val="accent1">
+              <a:shade val="50000"/>
+            </a:schemeClr>
+          </a:lnRef>
+          <a:fillRef idx="1">
+            <a:schemeClr val="accent1"/>
+          </a:fillRef>
+          <a:effectRef idx="0">
+            <a:schemeClr val="accent1"/>
+          </a:effectRef>
+          <a:fontRef idx="minor">
+            <a:schemeClr val="lt1"/>
+          </a:fontRef>
+        </p:style>
+        <p:txBody>
+          <a:bodyPr rtlCol="0" anchor="ctr"/>
+          <a:lstStyle/>
+          <a:p>
+            <a:pPr algn="ctr"/>
+            <a:r>
+              <a:rPr lang="en-US" sz="4000" dirty="0"/>
+              <a:t>&gt;1</a:t>
+            </a:r>
+          </a:p>
+        </p:txBody>
+      </p:sp>
+      <p:sp>
+        <p:nvSpPr>
+          <p:cNvPr id="5" name="Rectangle 4">
+            <a:extLst>
+              <a:ext uri="{FF2B5EF4-FFF2-40B4-BE49-F238E27FC236}">
+                <a16:creationId xmlns:a16="http://schemas.microsoft.com/office/drawing/2014/main" id="{F47716A1-98AD-4600-AA4F-FE80E0C19153}"/>
+              </a:ext>
+            </a:extLst>
+          </p:cNvPr>
+          <p:cNvSpPr/>
+          <p:nvPr/>
+        </p:nvSpPr>
+        <p:spPr>
+          <a:xfrm>
+            <a:off x="5348576" y="564543"/>
+            <a:ext cx="914400" cy="914400"/>
+          </a:xfrm>
+          <a:prstGeom prst="rect">
+            <a:avLst/>
+          </a:prstGeom>
+          <a:solidFill>
+            <a:srgbClr val="4472C4">
+              <a:alpha val="54118"/>
+            </a:srgbClr>
+          </a:solidFill>
+          <a:ln>
+            <a:prstDash val="dash"/>
+          </a:ln>
+        </p:spPr>
+        <p:style>
+          <a:lnRef idx="2">
+            <a:schemeClr val="accent1">
+              <a:shade val="50000"/>
+            </a:schemeClr>
+          </a:lnRef>
+          <a:fillRef idx="1">
+            <a:schemeClr val="accent1"/>
+          </a:fillRef>
+          <a:effectRef idx="0">
+            <a:schemeClr val="accent1"/>
+          </a:effectRef>
+          <a:fontRef idx="minor">
+            <a:schemeClr val="lt1"/>
+          </a:fontRef>
+        </p:style>
+        <p:txBody>
+          <a:bodyPr rtlCol="0" anchor="ctr"/>
+          <a:lstStyle/>
+          <a:p>
+            <a:pPr algn="ctr"/>
+            <a:r>
+              <a:rPr lang="en-US" sz="4000" dirty="0"/>
+              <a:t>&gt;1</a:t>
+            </a:r>
+          </a:p>
+        </p:txBody>
+      </p:sp>
+      <p:sp>
+        <p:nvSpPr>
+          <p:cNvPr id="6" name="Rectangle 5">
+            <a:extLst>
+              <a:ext uri="{FF2B5EF4-FFF2-40B4-BE49-F238E27FC236}">
+                <a16:creationId xmlns:a16="http://schemas.microsoft.com/office/drawing/2014/main" id="{AB666139-9192-4BAE-A087-289D0E55B9D6}"/>
+              </a:ext>
+            </a:extLst>
+          </p:cNvPr>
+          <p:cNvSpPr/>
+          <p:nvPr/>
+        </p:nvSpPr>
+        <p:spPr>
+          <a:xfrm>
+            <a:off x="1814221" y="564543"/>
+            <a:ext cx="914400" cy="914400"/>
+          </a:xfrm>
+          <a:prstGeom prst="rect">
+            <a:avLst/>
+          </a:prstGeom>
+          <a:solidFill>
+            <a:srgbClr val="4472C4">
+              <a:alpha val="54118"/>
+            </a:srgbClr>
+          </a:solidFill>
+          <a:ln>
+            <a:prstDash val="dash"/>
+          </a:ln>
+        </p:spPr>
+        <p:style>
+          <a:lnRef idx="2">
+            <a:schemeClr val="accent1">
+              <a:shade val="50000"/>
+            </a:schemeClr>
+          </a:lnRef>
+          <a:fillRef idx="1">
+            <a:schemeClr val="accent1"/>
+          </a:fillRef>
+          <a:effectRef idx="0">
+            <a:schemeClr val="accent1"/>
+          </a:effectRef>
+          <a:fontRef idx="minor">
+            <a:schemeClr val="lt1"/>
+          </a:fontRef>
+        </p:style>
+        <p:txBody>
+          <a:bodyPr rtlCol="0" anchor="ctr"/>
+          <a:lstStyle/>
+          <a:p>
+            <a:pPr algn="ctr"/>
+            <a:r>
+              <a:rPr lang="en-US" sz="4000" dirty="0"/>
+              <a:t>&gt;1</a:t>
+            </a:r>
+          </a:p>
+        </p:txBody>
+      </p:sp>
+      <p:sp>
+        <p:nvSpPr>
+          <p:cNvPr id="7" name="Rectangle 6">
+            <a:extLst>
+              <a:ext uri="{FF2B5EF4-FFF2-40B4-BE49-F238E27FC236}">
+                <a16:creationId xmlns:a16="http://schemas.microsoft.com/office/drawing/2014/main" id="{F984EE9C-FF55-4923-918E-3987BF0ADE1B}"/>
+              </a:ext>
+            </a:extLst>
+          </p:cNvPr>
+          <p:cNvSpPr/>
+          <p:nvPr/>
+        </p:nvSpPr>
+        <p:spPr>
+          <a:xfrm>
+            <a:off x="4170458" y="564543"/>
+            <a:ext cx="914400" cy="914400"/>
+          </a:xfrm>
+          <a:prstGeom prst="rect">
+            <a:avLst/>
+          </a:prstGeom>
+          <a:solidFill>
+            <a:srgbClr val="4472C4">
+              <a:alpha val="54118"/>
+            </a:srgbClr>
+          </a:solidFill>
+          <a:ln>
+            <a:prstDash val="dash"/>
+          </a:ln>
+        </p:spPr>
+        <p:style>
+          <a:lnRef idx="2">
+            <a:schemeClr val="accent1">
+              <a:shade val="50000"/>
+            </a:schemeClr>
+          </a:lnRef>
+          <a:fillRef idx="1">
+            <a:schemeClr val="accent1"/>
+          </a:fillRef>
+          <a:effectRef idx="0">
+            <a:schemeClr val="accent1"/>
+          </a:effectRef>
+          <a:fontRef idx="minor">
+            <a:schemeClr val="lt1"/>
+          </a:fontRef>
+        </p:style>
+        <p:txBody>
+          <a:bodyPr rtlCol="0" anchor="ctr"/>
+          <a:lstStyle/>
+          <a:p>
+            <a:pPr algn="ctr"/>
+            <a:r>
+              <a:rPr lang="en-US" sz="4000" dirty="0"/>
+              <a:t>&gt;1</a:t>
+            </a:r>
+          </a:p>
+        </p:txBody>
+      </p:sp>
+      <p:sp>
+        <p:nvSpPr>
+          <p:cNvPr id="8" name="Rectangle 7">
+            <a:extLst>
+              <a:ext uri="{FF2B5EF4-FFF2-40B4-BE49-F238E27FC236}">
+                <a16:creationId xmlns:a16="http://schemas.microsoft.com/office/drawing/2014/main" id="{F692126E-06DD-4888-981B-6348D8B29DB4}"/>
+              </a:ext>
+            </a:extLst>
+          </p:cNvPr>
+          <p:cNvSpPr/>
+          <p:nvPr/>
+        </p:nvSpPr>
+        <p:spPr>
+          <a:xfrm>
+            <a:off x="6526694" y="564543"/>
+            <a:ext cx="914400" cy="914400"/>
+          </a:xfrm>
+          <a:prstGeom prst="rect">
+            <a:avLst/>
+          </a:prstGeom>
+        </p:spPr>
+        <p:style>
+          <a:lnRef idx="2">
+            <a:schemeClr val="accent1">
+              <a:shade val="50000"/>
+            </a:schemeClr>
+          </a:lnRef>
+          <a:fillRef idx="1">
+            <a:schemeClr val="accent1"/>
+          </a:fillRef>
+          <a:effectRef idx="0">
+            <a:schemeClr val="accent1"/>
+          </a:effectRef>
+          <a:fontRef idx="minor">
+            <a:schemeClr val="lt1"/>
+          </a:fontRef>
+        </p:style>
+        <p:txBody>
+          <a:bodyPr rtlCol="0" anchor="ctr"/>
+          <a:lstStyle/>
+          <a:p>
+            <a:pPr algn="ctr"/>
+            <a:r>
+              <a:rPr lang="en-US" sz="4000" dirty="0"/>
+              <a:t>1</a:t>
+            </a:r>
+          </a:p>
+        </p:txBody>
+      </p:sp>
+      <p:sp>
+        <p:nvSpPr>
+          <p:cNvPr id="2" name="TextBox 1">
+            <a:extLst>
+              <a:ext uri="{FF2B5EF4-FFF2-40B4-BE49-F238E27FC236}">
+                <a16:creationId xmlns:a16="http://schemas.microsoft.com/office/drawing/2014/main" id="{19A749AF-2E29-4859-B78A-2099217DAD9F}"/>
+              </a:ext>
+            </a:extLst>
+          </p:cNvPr>
+          <p:cNvSpPr txBox="1"/>
+          <p:nvPr/>
+        </p:nvSpPr>
+        <p:spPr>
+          <a:xfrm>
+            <a:off x="1814221" y="2194560"/>
+            <a:ext cx="5192575" cy="369332"/>
+          </a:xfrm>
+          <a:prstGeom prst="rect">
+            <a:avLst/>
+          </a:prstGeom>
+          <a:noFill/>
+        </p:spPr>
+        <p:txBody>
+          <a:bodyPr wrap="none" rtlCol="0">
+            <a:spAutoFit/>
+          </a:bodyPr>
+          <a:lstStyle/>
+          <a:p>
+            <a:r>
+              <a:rPr lang="en-US" dirty="0"/>
+              <a:t>How many iterations to move the 1 to the beginning?</a:t>
+            </a:r>
+          </a:p>
+        </p:txBody>
+      </p:sp>
+      <p:sp>
+        <p:nvSpPr>
+          <p:cNvPr id="3" name="Arrow: Curved Up 2">
+            <a:extLst>
+              <a:ext uri="{FF2B5EF4-FFF2-40B4-BE49-F238E27FC236}">
+                <a16:creationId xmlns:a16="http://schemas.microsoft.com/office/drawing/2014/main" id="{9E9E2873-7E00-4FA0-9C6C-536DB9849202}"/>
+              </a:ext>
+            </a:extLst>
+          </p:cNvPr>
+          <p:cNvSpPr/>
+          <p:nvPr/>
+        </p:nvSpPr>
+        <p:spPr>
+          <a:xfrm flipH="1">
+            <a:off x="5804452" y="1645920"/>
+            <a:ext cx="1202344" cy="445273"/>
+          </a:xfrm>
+          <a:prstGeom prst="curvedUpArrow">
             <a:avLst/>
           </a:prstGeom>
         </p:spPr>
@@ -5177,16 +7952,20 @@
           <a:lstStyle/>
           <a:p>
             <a:pPr algn="ctr"/>
-            <a:endParaRPr lang="en-US"/>
-          </a:p>
-        </p:txBody>
-      </p:sp>
-      <p:sp>
-        <p:nvSpPr>
-          <p:cNvPr id="10" name="Arrow: Down 9">
-            <a:extLst>
-              <a:ext uri="{FF2B5EF4-FFF2-40B4-BE49-F238E27FC236}">
-                <a16:creationId xmlns:a16="http://schemas.microsoft.com/office/drawing/2014/main" id="{54CFE624-B26B-41DC-AED6-D90A5A1490B5}"/>
+            <a:endParaRPr lang="en-US">
+              <a:solidFill>
+                <a:schemeClr val="tx1"/>
+              </a:solidFill>
+            </a:endParaRPr>
+          </a:p>
+        </p:txBody>
+      </p:sp>
+      <p:sp>
+        <p:nvSpPr>
+          <p:cNvPr id="9" name="Arrow: Curved Up 8">
+            <a:extLst>
+              <a:ext uri="{FF2B5EF4-FFF2-40B4-BE49-F238E27FC236}">
+                <a16:creationId xmlns:a16="http://schemas.microsoft.com/office/drawing/2014/main" id="{A69E89A4-FFAA-415C-BF06-28BADE96E252}"/>
               </a:ext>
             </a:extLst>
           </p:cNvPr>
@@ -5194,11 +7973,11 @@
           <p:nvPr/>
         </p:nvSpPr>
         <p:spPr>
-          <a:xfrm rot="10800000">
-            <a:off x="1973910" y="1700462"/>
-            <a:ext cx="595022" cy="1098884"/>
-          </a:xfrm>
-          <a:prstGeom prst="downArrow">
+          <a:xfrm flipH="1">
+            <a:off x="4602108" y="1645920"/>
+            <a:ext cx="1202344" cy="445273"/>
+          </a:xfrm>
+          <a:prstGeom prst="curvedUpArrow">
             <a:avLst/>
           </a:prstGeom>
         </p:spPr>
@@ -5223,14 +8002,1037 @@
           <a:lstStyle/>
           <a:p>
             <a:pPr algn="ctr"/>
-            <a:endParaRPr lang="en-US"/>
+            <a:endParaRPr lang="en-US">
+              <a:solidFill>
+                <a:schemeClr val="tx1"/>
+              </a:solidFill>
+            </a:endParaRPr>
+          </a:p>
+        </p:txBody>
+      </p:sp>
+      <p:sp>
+        <p:nvSpPr>
+          <p:cNvPr id="10" name="Arrow: Curved Up 9">
+            <a:extLst>
+              <a:ext uri="{FF2B5EF4-FFF2-40B4-BE49-F238E27FC236}">
+                <a16:creationId xmlns:a16="http://schemas.microsoft.com/office/drawing/2014/main" id="{BC0A93B4-0BAF-4259-B2E8-73CAFCBCD8DD}"/>
+              </a:ext>
+            </a:extLst>
+          </p:cNvPr>
+          <p:cNvSpPr/>
+          <p:nvPr/>
+        </p:nvSpPr>
+        <p:spPr>
+          <a:xfrm flipH="1">
+            <a:off x="3399764" y="1645920"/>
+            <a:ext cx="1202344" cy="445273"/>
+          </a:xfrm>
+          <a:prstGeom prst="curvedUpArrow">
+            <a:avLst/>
+          </a:prstGeom>
+        </p:spPr>
+        <p:style>
+          <a:lnRef idx="2">
+            <a:schemeClr val="accent2">
+              <a:shade val="50000"/>
+            </a:schemeClr>
+          </a:lnRef>
+          <a:fillRef idx="1">
+            <a:schemeClr val="accent2"/>
+          </a:fillRef>
+          <a:effectRef idx="0">
+            <a:schemeClr val="accent2"/>
+          </a:effectRef>
+          <a:fontRef idx="minor">
+            <a:schemeClr val="lt1"/>
+          </a:fontRef>
+        </p:style>
+        <p:txBody>
+          <a:bodyPr rtlCol="0" anchor="ctr"/>
+          <a:lstStyle/>
+          <a:p>
+            <a:pPr algn="ctr"/>
+            <a:endParaRPr lang="en-US">
+              <a:solidFill>
+                <a:schemeClr val="tx1"/>
+              </a:solidFill>
+            </a:endParaRPr>
+          </a:p>
+        </p:txBody>
+      </p:sp>
+      <p:sp>
+        <p:nvSpPr>
+          <p:cNvPr id="11" name="Arrow: Curved Up 10">
+            <a:extLst>
+              <a:ext uri="{FF2B5EF4-FFF2-40B4-BE49-F238E27FC236}">
+                <a16:creationId xmlns:a16="http://schemas.microsoft.com/office/drawing/2014/main" id="{AF4686E5-7B9C-4B92-9A8D-F9A60E9EBAD9}"/>
+              </a:ext>
+            </a:extLst>
+          </p:cNvPr>
+          <p:cNvSpPr/>
+          <p:nvPr/>
+        </p:nvSpPr>
+        <p:spPr>
+          <a:xfrm flipH="1">
+            <a:off x="2197420" y="1645919"/>
+            <a:ext cx="1202344" cy="445273"/>
+          </a:xfrm>
+          <a:prstGeom prst="curvedUpArrow">
+            <a:avLst/>
+          </a:prstGeom>
+        </p:spPr>
+        <p:style>
+          <a:lnRef idx="2">
+            <a:schemeClr val="accent2">
+              <a:shade val="50000"/>
+            </a:schemeClr>
+          </a:lnRef>
+          <a:fillRef idx="1">
+            <a:schemeClr val="accent2"/>
+          </a:fillRef>
+          <a:effectRef idx="0">
+            <a:schemeClr val="accent2"/>
+          </a:effectRef>
+          <a:fontRef idx="minor">
+            <a:schemeClr val="lt1"/>
+          </a:fontRef>
+        </p:style>
+        <p:txBody>
+          <a:bodyPr rtlCol="0" anchor="ctr"/>
+          <a:lstStyle/>
+          <a:p>
+            <a:pPr algn="ctr"/>
+            <a:endParaRPr lang="en-US">
+              <a:solidFill>
+                <a:schemeClr val="tx1"/>
+              </a:solidFill>
+            </a:endParaRPr>
+          </a:p>
+        </p:txBody>
+      </p:sp>
+      <p:sp>
+        <p:nvSpPr>
+          <p:cNvPr id="12" name="Oval 11">
+            <a:extLst>
+              <a:ext uri="{FF2B5EF4-FFF2-40B4-BE49-F238E27FC236}">
+                <a16:creationId xmlns:a16="http://schemas.microsoft.com/office/drawing/2014/main" id="{804FADD0-36AB-4B58-8303-016A7FE07D01}"/>
+              </a:ext>
+            </a:extLst>
+          </p:cNvPr>
+          <p:cNvSpPr/>
+          <p:nvPr/>
+        </p:nvSpPr>
+        <p:spPr>
+          <a:xfrm>
+            <a:off x="6182987" y="1558455"/>
+            <a:ext cx="445273" cy="445273"/>
+          </a:xfrm>
+          <a:prstGeom prst="ellipse">
+            <a:avLst/>
+          </a:prstGeom>
+        </p:spPr>
+        <p:style>
+          <a:lnRef idx="2">
+            <a:schemeClr val="dk1"/>
+          </a:lnRef>
+          <a:fillRef idx="1">
+            <a:schemeClr val="lt1"/>
+          </a:fillRef>
+          <a:effectRef idx="0">
+            <a:schemeClr val="dk1"/>
+          </a:effectRef>
+          <a:fontRef idx="minor">
+            <a:schemeClr val="dk1"/>
+          </a:fontRef>
+        </p:style>
+        <p:txBody>
+          <a:bodyPr rtlCol="0" anchor="ctr"/>
+          <a:lstStyle/>
+          <a:p>
+            <a:pPr algn="ctr"/>
+            <a:r>
+              <a:rPr lang="en-US" dirty="0"/>
+              <a:t>1</a:t>
+            </a:r>
+          </a:p>
+        </p:txBody>
+      </p:sp>
+      <p:sp>
+        <p:nvSpPr>
+          <p:cNvPr id="13" name="Oval 12">
+            <a:extLst>
+              <a:ext uri="{FF2B5EF4-FFF2-40B4-BE49-F238E27FC236}">
+                <a16:creationId xmlns:a16="http://schemas.microsoft.com/office/drawing/2014/main" id="{F38B32B7-B6C8-4673-80A8-455719DE1AD4}"/>
+              </a:ext>
+            </a:extLst>
+          </p:cNvPr>
+          <p:cNvSpPr/>
+          <p:nvPr/>
+        </p:nvSpPr>
+        <p:spPr>
+          <a:xfrm>
+            <a:off x="4980643" y="1558455"/>
+            <a:ext cx="445273" cy="445273"/>
+          </a:xfrm>
+          <a:prstGeom prst="ellipse">
+            <a:avLst/>
+          </a:prstGeom>
+        </p:spPr>
+        <p:style>
+          <a:lnRef idx="2">
+            <a:schemeClr val="dk1"/>
+          </a:lnRef>
+          <a:fillRef idx="1">
+            <a:schemeClr val="lt1"/>
+          </a:fillRef>
+          <a:effectRef idx="0">
+            <a:schemeClr val="dk1"/>
+          </a:effectRef>
+          <a:fontRef idx="minor">
+            <a:schemeClr val="dk1"/>
+          </a:fontRef>
+        </p:style>
+        <p:txBody>
+          <a:bodyPr rtlCol="0" anchor="ctr"/>
+          <a:lstStyle/>
+          <a:p>
+            <a:pPr algn="ctr"/>
+            <a:r>
+              <a:rPr lang="en-US" dirty="0"/>
+              <a:t>2</a:t>
+            </a:r>
+          </a:p>
+        </p:txBody>
+      </p:sp>
+      <p:sp>
+        <p:nvSpPr>
+          <p:cNvPr id="14" name="Oval 13">
+            <a:extLst>
+              <a:ext uri="{FF2B5EF4-FFF2-40B4-BE49-F238E27FC236}">
+                <a16:creationId xmlns:a16="http://schemas.microsoft.com/office/drawing/2014/main" id="{B26103A8-1AD8-4F38-BA7B-2D7D0F4A81CA}"/>
+              </a:ext>
+            </a:extLst>
+          </p:cNvPr>
+          <p:cNvSpPr/>
+          <p:nvPr/>
+        </p:nvSpPr>
+        <p:spPr>
+          <a:xfrm>
+            <a:off x="3778299" y="1558455"/>
+            <a:ext cx="445273" cy="445273"/>
+          </a:xfrm>
+          <a:prstGeom prst="ellipse">
+            <a:avLst/>
+          </a:prstGeom>
+        </p:spPr>
+        <p:style>
+          <a:lnRef idx="2">
+            <a:schemeClr val="dk1"/>
+          </a:lnRef>
+          <a:fillRef idx="1">
+            <a:schemeClr val="lt1"/>
+          </a:fillRef>
+          <a:effectRef idx="0">
+            <a:schemeClr val="dk1"/>
+          </a:effectRef>
+          <a:fontRef idx="minor">
+            <a:schemeClr val="dk1"/>
+          </a:fontRef>
+        </p:style>
+        <p:txBody>
+          <a:bodyPr rtlCol="0" anchor="ctr"/>
+          <a:lstStyle/>
+          <a:p>
+            <a:pPr algn="ctr"/>
+            <a:r>
+              <a:rPr lang="en-US" dirty="0"/>
+              <a:t>3</a:t>
+            </a:r>
+          </a:p>
+        </p:txBody>
+      </p:sp>
+      <p:sp>
+        <p:nvSpPr>
+          <p:cNvPr id="15" name="Oval 14">
+            <a:extLst>
+              <a:ext uri="{FF2B5EF4-FFF2-40B4-BE49-F238E27FC236}">
+                <a16:creationId xmlns:a16="http://schemas.microsoft.com/office/drawing/2014/main" id="{89212500-39DB-4632-8157-98E1FD217D85}"/>
+              </a:ext>
+            </a:extLst>
+          </p:cNvPr>
+          <p:cNvSpPr/>
+          <p:nvPr/>
+        </p:nvSpPr>
+        <p:spPr>
+          <a:xfrm>
+            <a:off x="2575955" y="1558452"/>
+            <a:ext cx="445273" cy="445273"/>
+          </a:xfrm>
+          <a:prstGeom prst="ellipse">
+            <a:avLst/>
+          </a:prstGeom>
+        </p:spPr>
+        <p:style>
+          <a:lnRef idx="2">
+            <a:schemeClr val="dk1"/>
+          </a:lnRef>
+          <a:fillRef idx="1">
+            <a:schemeClr val="lt1"/>
+          </a:fillRef>
+          <a:effectRef idx="0">
+            <a:schemeClr val="dk1"/>
+          </a:effectRef>
+          <a:fontRef idx="minor">
+            <a:schemeClr val="dk1"/>
+          </a:fontRef>
+        </p:style>
+        <p:txBody>
+          <a:bodyPr rtlCol="0" anchor="ctr"/>
+          <a:lstStyle/>
+          <a:p>
+            <a:pPr algn="ctr"/>
+            <a:r>
+              <a:rPr lang="en-US" dirty="0"/>
+              <a:t>4</a:t>
+            </a:r>
           </a:p>
         </p:txBody>
       </p:sp>
     </p:spTree>
     <p:extLst>
       <p:ext uri="{BB962C8B-B14F-4D97-AF65-F5344CB8AC3E}">
-        <p14:creationId xmlns:p14="http://schemas.microsoft.com/office/powerpoint/2010/main" val="866395485"/>
+        <p14:creationId xmlns:p14="http://schemas.microsoft.com/office/powerpoint/2010/main" val="1481628940"/>
+      </p:ext>
+    </p:extLst>
+  </p:cSld>
+  <p:clrMapOvr>
+    <a:masterClrMapping/>
+  </p:clrMapOvr>
+</p:sld>
+</file>
+
+<file path=ppt/slides/slide9.xml><?xml version="1.0" encoding="utf-8"?>
+<p:sld xmlns:a="http://schemas.openxmlformats.org/drawingml/2006/main" xmlns:r="http://schemas.openxmlformats.org/officeDocument/2006/relationships" xmlns:p="http://schemas.openxmlformats.org/presentationml/2006/main">
+  <p:cSld>
+    <p:spTree>
+      <p:nvGrpSpPr>
+        <p:cNvPr id="1" name=""/>
+        <p:cNvGrpSpPr/>
+        <p:nvPr/>
+      </p:nvGrpSpPr>
+      <p:grpSpPr>
+        <a:xfrm>
+          <a:off x="0" y="0"/>
+          <a:ext cx="0" cy="0"/>
+          <a:chOff x="0" y="0"/>
+          <a:chExt cx="0" cy="0"/>
+        </a:xfrm>
+      </p:grpSpPr>
+      <p:sp>
+        <p:nvSpPr>
+          <p:cNvPr id="4" name="Rectangle 3">
+            <a:extLst>
+              <a:ext uri="{FF2B5EF4-FFF2-40B4-BE49-F238E27FC236}">
+                <a16:creationId xmlns:a16="http://schemas.microsoft.com/office/drawing/2014/main" id="{6525E4C4-98E6-4ADC-BD55-66CDEC84AFC0}"/>
+              </a:ext>
+            </a:extLst>
+          </p:cNvPr>
+          <p:cNvSpPr/>
+          <p:nvPr/>
+        </p:nvSpPr>
+        <p:spPr>
+          <a:xfrm>
+            <a:off x="2992340" y="564543"/>
+            <a:ext cx="914400" cy="914400"/>
+          </a:xfrm>
+          <a:prstGeom prst="rect">
+            <a:avLst/>
+          </a:prstGeom>
+          <a:solidFill>
+            <a:srgbClr val="4472C4">
+              <a:alpha val="54118"/>
+            </a:srgbClr>
+          </a:solidFill>
+          <a:ln>
+            <a:prstDash val="dash"/>
+          </a:ln>
+        </p:spPr>
+        <p:style>
+          <a:lnRef idx="2">
+            <a:schemeClr val="accent1">
+              <a:shade val="50000"/>
+            </a:schemeClr>
+          </a:lnRef>
+          <a:fillRef idx="1">
+            <a:schemeClr val="accent1"/>
+          </a:fillRef>
+          <a:effectRef idx="0">
+            <a:schemeClr val="accent1"/>
+          </a:effectRef>
+          <a:fontRef idx="minor">
+            <a:schemeClr val="lt1"/>
+          </a:fontRef>
+        </p:style>
+        <p:txBody>
+          <a:bodyPr rtlCol="0" anchor="ctr"/>
+          <a:lstStyle/>
+          <a:p>
+            <a:pPr algn="ctr"/>
+            <a:r>
+              <a:rPr lang="en-US" sz="4000" dirty="0"/>
+              <a:t>&gt;1</a:t>
+            </a:r>
+          </a:p>
+        </p:txBody>
+      </p:sp>
+      <p:sp>
+        <p:nvSpPr>
+          <p:cNvPr id="5" name="Rectangle 4">
+            <a:extLst>
+              <a:ext uri="{FF2B5EF4-FFF2-40B4-BE49-F238E27FC236}">
+                <a16:creationId xmlns:a16="http://schemas.microsoft.com/office/drawing/2014/main" id="{F47716A1-98AD-4600-AA4F-FE80E0C19153}"/>
+              </a:ext>
+            </a:extLst>
+          </p:cNvPr>
+          <p:cNvSpPr/>
+          <p:nvPr/>
+        </p:nvSpPr>
+        <p:spPr>
+          <a:xfrm>
+            <a:off x="5614048" y="564543"/>
+            <a:ext cx="914400" cy="914400"/>
+          </a:xfrm>
+          <a:prstGeom prst="rect">
+            <a:avLst/>
+          </a:prstGeom>
+          <a:solidFill>
+            <a:srgbClr val="4472C4">
+              <a:alpha val="54118"/>
+            </a:srgbClr>
+          </a:solidFill>
+          <a:ln>
+            <a:prstDash val="dash"/>
+          </a:ln>
+        </p:spPr>
+        <p:style>
+          <a:lnRef idx="2">
+            <a:schemeClr val="accent1">
+              <a:shade val="50000"/>
+            </a:schemeClr>
+          </a:lnRef>
+          <a:fillRef idx="1">
+            <a:schemeClr val="accent1"/>
+          </a:fillRef>
+          <a:effectRef idx="0">
+            <a:schemeClr val="accent1"/>
+          </a:effectRef>
+          <a:fontRef idx="minor">
+            <a:schemeClr val="lt1"/>
+          </a:fontRef>
+        </p:style>
+        <p:txBody>
+          <a:bodyPr rtlCol="0" anchor="ctr"/>
+          <a:lstStyle/>
+          <a:p>
+            <a:pPr algn="ctr"/>
+            <a:r>
+              <a:rPr lang="en-US" sz="4000" dirty="0"/>
+              <a:t>&gt;1</a:t>
+            </a:r>
+          </a:p>
+        </p:txBody>
+      </p:sp>
+      <p:sp>
+        <p:nvSpPr>
+          <p:cNvPr id="6" name="Rectangle 5">
+            <a:extLst>
+              <a:ext uri="{FF2B5EF4-FFF2-40B4-BE49-F238E27FC236}">
+                <a16:creationId xmlns:a16="http://schemas.microsoft.com/office/drawing/2014/main" id="{AB666139-9192-4BAE-A087-289D0E55B9D6}"/>
+              </a:ext>
+            </a:extLst>
+          </p:cNvPr>
+          <p:cNvSpPr/>
+          <p:nvPr/>
+        </p:nvSpPr>
+        <p:spPr>
+          <a:xfrm>
+            <a:off x="1814221" y="564543"/>
+            <a:ext cx="914400" cy="914400"/>
+          </a:xfrm>
+          <a:prstGeom prst="rect">
+            <a:avLst/>
+          </a:prstGeom>
+          <a:solidFill>
+            <a:srgbClr val="4472C4">
+              <a:alpha val="54118"/>
+            </a:srgbClr>
+          </a:solidFill>
+          <a:ln>
+            <a:prstDash val="dash"/>
+          </a:ln>
+        </p:spPr>
+        <p:style>
+          <a:lnRef idx="2">
+            <a:schemeClr val="accent1">
+              <a:shade val="50000"/>
+            </a:schemeClr>
+          </a:lnRef>
+          <a:fillRef idx="1">
+            <a:schemeClr val="accent1"/>
+          </a:fillRef>
+          <a:effectRef idx="0">
+            <a:schemeClr val="accent1"/>
+          </a:effectRef>
+          <a:fontRef idx="minor">
+            <a:schemeClr val="lt1"/>
+          </a:fontRef>
+        </p:style>
+        <p:txBody>
+          <a:bodyPr rtlCol="0" anchor="ctr"/>
+          <a:lstStyle/>
+          <a:p>
+            <a:pPr algn="ctr"/>
+            <a:r>
+              <a:rPr lang="en-US" sz="4000" dirty="0"/>
+              <a:t>&gt;1</a:t>
+            </a:r>
+          </a:p>
+        </p:txBody>
+      </p:sp>
+      <p:sp>
+        <p:nvSpPr>
+          <p:cNvPr id="7" name="Rectangle 6">
+            <a:extLst>
+              <a:ext uri="{FF2B5EF4-FFF2-40B4-BE49-F238E27FC236}">
+                <a16:creationId xmlns:a16="http://schemas.microsoft.com/office/drawing/2014/main" id="{F984EE9C-FF55-4923-918E-3987BF0ADE1B}"/>
+              </a:ext>
+            </a:extLst>
+          </p:cNvPr>
+          <p:cNvSpPr/>
+          <p:nvPr/>
+        </p:nvSpPr>
+        <p:spPr>
+          <a:xfrm>
+            <a:off x="4170458" y="564543"/>
+            <a:ext cx="914400" cy="914400"/>
+          </a:xfrm>
+          <a:prstGeom prst="rect">
+            <a:avLst/>
+          </a:prstGeom>
+          <a:noFill/>
+          <a:ln>
+            <a:noFill/>
+            <a:prstDash val="dash"/>
+          </a:ln>
+        </p:spPr>
+        <p:style>
+          <a:lnRef idx="2">
+            <a:schemeClr val="accent1">
+              <a:shade val="50000"/>
+            </a:schemeClr>
+          </a:lnRef>
+          <a:fillRef idx="1">
+            <a:schemeClr val="accent1"/>
+          </a:fillRef>
+          <a:effectRef idx="0">
+            <a:schemeClr val="accent1"/>
+          </a:effectRef>
+          <a:fontRef idx="minor">
+            <a:schemeClr val="lt1"/>
+          </a:fontRef>
+        </p:style>
+        <p:txBody>
+          <a:bodyPr rtlCol="0" anchor="ctr"/>
+          <a:lstStyle/>
+          <a:p>
+            <a:pPr algn="ctr"/>
+            <a:r>
+              <a:rPr lang="en-US" sz="4000" dirty="0">
+                <a:solidFill>
+                  <a:sysClr val="windowText" lastClr="000000"/>
+                </a:solidFill>
+              </a:rPr>
+              <a:t>…</a:t>
+            </a:r>
+          </a:p>
+        </p:txBody>
+      </p:sp>
+      <p:sp>
+        <p:nvSpPr>
+          <p:cNvPr id="8" name="Rectangle 7">
+            <a:extLst>
+              <a:ext uri="{FF2B5EF4-FFF2-40B4-BE49-F238E27FC236}">
+                <a16:creationId xmlns:a16="http://schemas.microsoft.com/office/drawing/2014/main" id="{F692126E-06DD-4888-981B-6348D8B29DB4}"/>
+              </a:ext>
+            </a:extLst>
+          </p:cNvPr>
+          <p:cNvSpPr/>
+          <p:nvPr/>
+        </p:nvSpPr>
+        <p:spPr>
+          <a:xfrm>
+            <a:off x="6792166" y="564543"/>
+            <a:ext cx="914400" cy="914400"/>
+          </a:xfrm>
+          <a:prstGeom prst="rect">
+            <a:avLst/>
+          </a:prstGeom>
+        </p:spPr>
+        <p:style>
+          <a:lnRef idx="2">
+            <a:schemeClr val="accent1">
+              <a:shade val="50000"/>
+            </a:schemeClr>
+          </a:lnRef>
+          <a:fillRef idx="1">
+            <a:schemeClr val="accent1"/>
+          </a:fillRef>
+          <a:effectRef idx="0">
+            <a:schemeClr val="accent1"/>
+          </a:effectRef>
+          <a:fontRef idx="minor">
+            <a:schemeClr val="lt1"/>
+          </a:fontRef>
+        </p:style>
+        <p:txBody>
+          <a:bodyPr rtlCol="0" anchor="ctr"/>
+          <a:lstStyle/>
+          <a:p>
+            <a:pPr algn="ctr"/>
+            <a:r>
+              <a:rPr lang="en-US" sz="4000" dirty="0"/>
+              <a:t>1</a:t>
+            </a:r>
+          </a:p>
+        </p:txBody>
+      </p:sp>
+      <p:sp>
+        <p:nvSpPr>
+          <p:cNvPr id="2" name="TextBox 1">
+            <a:extLst>
+              <a:ext uri="{FF2B5EF4-FFF2-40B4-BE49-F238E27FC236}">
+                <a16:creationId xmlns:a16="http://schemas.microsoft.com/office/drawing/2014/main" id="{19A749AF-2E29-4859-B78A-2099217DAD9F}"/>
+              </a:ext>
+            </a:extLst>
+          </p:cNvPr>
+          <p:cNvSpPr txBox="1"/>
+          <p:nvPr/>
+        </p:nvSpPr>
+        <p:spPr>
+          <a:xfrm>
+            <a:off x="1791319" y="2679590"/>
+            <a:ext cx="3720570" cy="369332"/>
+          </a:xfrm>
+          <a:prstGeom prst="rect">
+            <a:avLst/>
+          </a:prstGeom>
+          <a:noFill/>
+        </p:spPr>
+        <p:txBody>
+          <a:bodyPr wrap="none" rtlCol="0">
+            <a:spAutoFit/>
+          </a:bodyPr>
+          <a:lstStyle/>
+          <a:p>
+            <a:r>
+              <a:rPr lang="en-US" dirty="0"/>
+              <a:t>What if we have an array of length N?</a:t>
+            </a:r>
+          </a:p>
+        </p:txBody>
+      </p:sp>
+      <p:sp>
+        <p:nvSpPr>
+          <p:cNvPr id="3" name="Arrow: Curved Up 2">
+            <a:extLst>
+              <a:ext uri="{FF2B5EF4-FFF2-40B4-BE49-F238E27FC236}">
+                <a16:creationId xmlns:a16="http://schemas.microsoft.com/office/drawing/2014/main" id="{9E9E2873-7E00-4FA0-9C6C-536DB9849202}"/>
+              </a:ext>
+            </a:extLst>
+          </p:cNvPr>
+          <p:cNvSpPr/>
+          <p:nvPr/>
+        </p:nvSpPr>
+        <p:spPr>
+          <a:xfrm flipH="1">
+            <a:off x="6069924" y="1645920"/>
+            <a:ext cx="1202344" cy="445273"/>
+          </a:xfrm>
+          <a:prstGeom prst="curvedUpArrow">
+            <a:avLst/>
+          </a:prstGeom>
+        </p:spPr>
+        <p:style>
+          <a:lnRef idx="2">
+            <a:schemeClr val="accent2">
+              <a:shade val="50000"/>
+            </a:schemeClr>
+          </a:lnRef>
+          <a:fillRef idx="1">
+            <a:schemeClr val="accent2"/>
+          </a:fillRef>
+          <a:effectRef idx="0">
+            <a:schemeClr val="accent2"/>
+          </a:effectRef>
+          <a:fontRef idx="minor">
+            <a:schemeClr val="lt1"/>
+          </a:fontRef>
+        </p:style>
+        <p:txBody>
+          <a:bodyPr rtlCol="0" anchor="ctr"/>
+          <a:lstStyle/>
+          <a:p>
+            <a:pPr algn="ctr"/>
+            <a:endParaRPr lang="en-US">
+              <a:solidFill>
+                <a:schemeClr val="tx1"/>
+              </a:solidFill>
+            </a:endParaRPr>
+          </a:p>
+        </p:txBody>
+      </p:sp>
+      <p:sp>
+        <p:nvSpPr>
+          <p:cNvPr id="9" name="Arrow: Curved Up 8">
+            <a:extLst>
+              <a:ext uri="{FF2B5EF4-FFF2-40B4-BE49-F238E27FC236}">
+                <a16:creationId xmlns:a16="http://schemas.microsoft.com/office/drawing/2014/main" id="{A69E89A4-FFAA-415C-BF06-28BADE96E252}"/>
+              </a:ext>
+            </a:extLst>
+          </p:cNvPr>
+          <p:cNvSpPr/>
+          <p:nvPr/>
+        </p:nvSpPr>
+        <p:spPr>
+          <a:xfrm flipH="1">
+            <a:off x="4867580" y="1645920"/>
+            <a:ext cx="1202344" cy="445273"/>
+          </a:xfrm>
+          <a:prstGeom prst="curvedUpArrow">
+            <a:avLst/>
+          </a:prstGeom>
+        </p:spPr>
+        <p:style>
+          <a:lnRef idx="2">
+            <a:schemeClr val="accent2">
+              <a:shade val="50000"/>
+            </a:schemeClr>
+          </a:lnRef>
+          <a:fillRef idx="1">
+            <a:schemeClr val="accent2"/>
+          </a:fillRef>
+          <a:effectRef idx="0">
+            <a:schemeClr val="accent2"/>
+          </a:effectRef>
+          <a:fontRef idx="minor">
+            <a:schemeClr val="lt1"/>
+          </a:fontRef>
+        </p:style>
+        <p:txBody>
+          <a:bodyPr rtlCol="0" anchor="ctr"/>
+          <a:lstStyle/>
+          <a:p>
+            <a:pPr algn="ctr"/>
+            <a:endParaRPr lang="en-US">
+              <a:solidFill>
+                <a:schemeClr val="tx1"/>
+              </a:solidFill>
+            </a:endParaRPr>
+          </a:p>
+        </p:txBody>
+      </p:sp>
+      <p:sp>
+        <p:nvSpPr>
+          <p:cNvPr id="10" name="Arrow: Curved Up 9">
+            <a:extLst>
+              <a:ext uri="{FF2B5EF4-FFF2-40B4-BE49-F238E27FC236}">
+                <a16:creationId xmlns:a16="http://schemas.microsoft.com/office/drawing/2014/main" id="{BC0A93B4-0BAF-4259-B2E8-73CAFCBCD8DD}"/>
+              </a:ext>
+            </a:extLst>
+          </p:cNvPr>
+          <p:cNvSpPr/>
+          <p:nvPr/>
+        </p:nvSpPr>
+        <p:spPr>
+          <a:xfrm flipH="1">
+            <a:off x="3399764" y="1645920"/>
+            <a:ext cx="1202344" cy="445273"/>
+          </a:xfrm>
+          <a:prstGeom prst="curvedUpArrow">
+            <a:avLst/>
+          </a:prstGeom>
+        </p:spPr>
+        <p:style>
+          <a:lnRef idx="2">
+            <a:schemeClr val="accent2">
+              <a:shade val="50000"/>
+            </a:schemeClr>
+          </a:lnRef>
+          <a:fillRef idx="1">
+            <a:schemeClr val="accent2"/>
+          </a:fillRef>
+          <a:effectRef idx="0">
+            <a:schemeClr val="accent2"/>
+          </a:effectRef>
+          <a:fontRef idx="minor">
+            <a:schemeClr val="lt1"/>
+          </a:fontRef>
+        </p:style>
+        <p:txBody>
+          <a:bodyPr rtlCol="0" anchor="ctr"/>
+          <a:lstStyle/>
+          <a:p>
+            <a:pPr algn="ctr"/>
+            <a:endParaRPr lang="en-US">
+              <a:solidFill>
+                <a:schemeClr val="tx1"/>
+              </a:solidFill>
+            </a:endParaRPr>
+          </a:p>
+        </p:txBody>
+      </p:sp>
+      <p:sp>
+        <p:nvSpPr>
+          <p:cNvPr id="11" name="Arrow: Curved Up 10">
+            <a:extLst>
+              <a:ext uri="{FF2B5EF4-FFF2-40B4-BE49-F238E27FC236}">
+                <a16:creationId xmlns:a16="http://schemas.microsoft.com/office/drawing/2014/main" id="{AF4686E5-7B9C-4B92-9A8D-F9A60E9EBAD9}"/>
+              </a:ext>
+            </a:extLst>
+          </p:cNvPr>
+          <p:cNvSpPr/>
+          <p:nvPr/>
+        </p:nvSpPr>
+        <p:spPr>
+          <a:xfrm flipH="1">
+            <a:off x="2197420" y="1645919"/>
+            <a:ext cx="1202344" cy="445273"/>
+          </a:xfrm>
+          <a:prstGeom prst="curvedUpArrow">
+            <a:avLst/>
+          </a:prstGeom>
+        </p:spPr>
+        <p:style>
+          <a:lnRef idx="2">
+            <a:schemeClr val="accent2">
+              <a:shade val="50000"/>
+            </a:schemeClr>
+          </a:lnRef>
+          <a:fillRef idx="1">
+            <a:schemeClr val="accent2"/>
+          </a:fillRef>
+          <a:effectRef idx="0">
+            <a:schemeClr val="accent2"/>
+          </a:effectRef>
+          <a:fontRef idx="minor">
+            <a:schemeClr val="lt1"/>
+          </a:fontRef>
+        </p:style>
+        <p:txBody>
+          <a:bodyPr rtlCol="0" anchor="ctr"/>
+          <a:lstStyle/>
+          <a:p>
+            <a:pPr algn="ctr"/>
+            <a:endParaRPr lang="en-US">
+              <a:solidFill>
+                <a:schemeClr val="tx1"/>
+              </a:solidFill>
+            </a:endParaRPr>
+          </a:p>
+        </p:txBody>
+      </p:sp>
+      <p:sp>
+        <p:nvSpPr>
+          <p:cNvPr id="12" name="Oval 11">
+            <a:extLst>
+              <a:ext uri="{FF2B5EF4-FFF2-40B4-BE49-F238E27FC236}">
+                <a16:creationId xmlns:a16="http://schemas.microsoft.com/office/drawing/2014/main" id="{804FADD0-36AB-4B58-8303-016A7FE07D01}"/>
+              </a:ext>
+            </a:extLst>
+          </p:cNvPr>
+          <p:cNvSpPr/>
+          <p:nvPr/>
+        </p:nvSpPr>
+        <p:spPr>
+          <a:xfrm>
+            <a:off x="6448459" y="1558455"/>
+            <a:ext cx="445273" cy="445273"/>
+          </a:xfrm>
+          <a:prstGeom prst="ellipse">
+            <a:avLst/>
+          </a:prstGeom>
+        </p:spPr>
+        <p:style>
+          <a:lnRef idx="2">
+            <a:schemeClr val="dk1"/>
+          </a:lnRef>
+          <a:fillRef idx="1">
+            <a:schemeClr val="lt1"/>
+          </a:fillRef>
+          <a:effectRef idx="0">
+            <a:schemeClr val="dk1"/>
+          </a:effectRef>
+          <a:fontRef idx="minor">
+            <a:schemeClr val="dk1"/>
+          </a:fontRef>
+        </p:style>
+        <p:txBody>
+          <a:bodyPr rtlCol="0" anchor="ctr"/>
+          <a:lstStyle/>
+          <a:p>
+            <a:pPr algn="ctr"/>
+            <a:r>
+              <a:rPr lang="en-US" dirty="0"/>
+              <a:t>1</a:t>
+            </a:r>
+          </a:p>
+        </p:txBody>
+      </p:sp>
+      <p:sp>
+        <p:nvSpPr>
+          <p:cNvPr id="13" name="Oval 12">
+            <a:extLst>
+              <a:ext uri="{FF2B5EF4-FFF2-40B4-BE49-F238E27FC236}">
+                <a16:creationId xmlns:a16="http://schemas.microsoft.com/office/drawing/2014/main" id="{F38B32B7-B6C8-4673-80A8-455719DE1AD4}"/>
+              </a:ext>
+            </a:extLst>
+          </p:cNvPr>
+          <p:cNvSpPr/>
+          <p:nvPr/>
+        </p:nvSpPr>
+        <p:spPr>
+          <a:xfrm>
+            <a:off x="5246115" y="1558455"/>
+            <a:ext cx="445273" cy="445273"/>
+          </a:xfrm>
+          <a:prstGeom prst="ellipse">
+            <a:avLst/>
+          </a:prstGeom>
+        </p:spPr>
+        <p:style>
+          <a:lnRef idx="2">
+            <a:schemeClr val="dk1"/>
+          </a:lnRef>
+          <a:fillRef idx="1">
+            <a:schemeClr val="lt1"/>
+          </a:fillRef>
+          <a:effectRef idx="0">
+            <a:schemeClr val="dk1"/>
+          </a:effectRef>
+          <a:fontRef idx="minor">
+            <a:schemeClr val="dk1"/>
+          </a:fontRef>
+        </p:style>
+        <p:txBody>
+          <a:bodyPr rtlCol="0" anchor="ctr"/>
+          <a:lstStyle/>
+          <a:p>
+            <a:pPr algn="ctr"/>
+            <a:r>
+              <a:rPr lang="en-US" dirty="0"/>
+              <a:t>2</a:t>
+            </a:r>
+          </a:p>
+        </p:txBody>
+      </p:sp>
+      <p:sp>
+        <p:nvSpPr>
+          <p:cNvPr id="14" name="Oval 13">
+            <a:extLst>
+              <a:ext uri="{FF2B5EF4-FFF2-40B4-BE49-F238E27FC236}">
+                <a16:creationId xmlns:a16="http://schemas.microsoft.com/office/drawing/2014/main" id="{B26103A8-1AD8-4F38-BA7B-2D7D0F4A81CA}"/>
+              </a:ext>
+            </a:extLst>
+          </p:cNvPr>
+          <p:cNvSpPr/>
+          <p:nvPr/>
+        </p:nvSpPr>
+        <p:spPr>
+          <a:xfrm>
+            <a:off x="3778299" y="1558455"/>
+            <a:ext cx="445273" cy="445273"/>
+          </a:xfrm>
+          <a:prstGeom prst="ellipse">
+            <a:avLst/>
+          </a:prstGeom>
+        </p:spPr>
+        <p:style>
+          <a:lnRef idx="2">
+            <a:schemeClr val="dk1"/>
+          </a:lnRef>
+          <a:fillRef idx="1">
+            <a:schemeClr val="lt1"/>
+          </a:fillRef>
+          <a:effectRef idx="0">
+            <a:schemeClr val="dk1"/>
+          </a:effectRef>
+          <a:fontRef idx="minor">
+            <a:schemeClr val="dk1"/>
+          </a:fontRef>
+        </p:style>
+        <p:txBody>
+          <a:bodyPr lIns="0" tIns="0" rIns="0" bIns="0" rtlCol="0" anchor="ctr"/>
+          <a:lstStyle/>
+          <a:p>
+            <a:pPr algn="ctr"/>
+            <a:r>
+              <a:rPr lang="en-US" sz="1600" dirty="0"/>
+              <a:t>N-2</a:t>
+            </a:r>
+          </a:p>
+        </p:txBody>
+      </p:sp>
+      <p:sp>
+        <p:nvSpPr>
+          <p:cNvPr id="15" name="Oval 14">
+            <a:extLst>
+              <a:ext uri="{FF2B5EF4-FFF2-40B4-BE49-F238E27FC236}">
+                <a16:creationId xmlns:a16="http://schemas.microsoft.com/office/drawing/2014/main" id="{89212500-39DB-4632-8157-98E1FD217D85}"/>
+              </a:ext>
+            </a:extLst>
+          </p:cNvPr>
+          <p:cNvSpPr/>
+          <p:nvPr/>
+        </p:nvSpPr>
+        <p:spPr>
+          <a:xfrm>
+            <a:off x="2575955" y="1558452"/>
+            <a:ext cx="445273" cy="445273"/>
+          </a:xfrm>
+          <a:prstGeom prst="ellipse">
+            <a:avLst/>
+          </a:prstGeom>
+        </p:spPr>
+        <p:style>
+          <a:lnRef idx="2">
+            <a:schemeClr val="dk1"/>
+          </a:lnRef>
+          <a:fillRef idx="1">
+            <a:schemeClr val="lt1"/>
+          </a:fillRef>
+          <a:effectRef idx="0">
+            <a:schemeClr val="dk1"/>
+          </a:effectRef>
+          <a:fontRef idx="minor">
+            <a:schemeClr val="dk1"/>
+          </a:fontRef>
+        </p:style>
+        <p:txBody>
+          <a:bodyPr lIns="0" tIns="0" rIns="0" bIns="0" rtlCol="0" anchor="ctr"/>
+          <a:lstStyle/>
+          <a:p>
+            <a:pPr algn="ctr"/>
+            <a:r>
+              <a:rPr lang="en-US" sz="1600" dirty="0"/>
+              <a:t>N-1</a:t>
+            </a:r>
+          </a:p>
+        </p:txBody>
+      </p:sp>
+    </p:spTree>
+    <p:extLst>
+      <p:ext uri="{BB962C8B-B14F-4D97-AF65-F5344CB8AC3E}">
+        <p14:creationId xmlns:p14="http://schemas.microsoft.com/office/powerpoint/2010/main" val="3543717937"/>
       </p:ext>
     </p:extLst>
   </p:cSld>

--- a/Bubble Sort In Action.pptx
+++ b/Bubble Sort In Action.pptx
@@ -271,7 +271,7 @@
           <a:p>
             <a:fld id="{5C7A54E4-F532-4F3B-A879-4DEEA90CC876}" type="datetimeFigureOut">
               <a:rPr lang="en-US" smtClean="0"/>
-              <a:t>12/2/2020</a:t>
+              <a:t>12/7/2020</a:t>
             </a:fld>
             <a:endParaRPr lang="en-US"/>
           </a:p>
@@ -469,7 +469,7 @@
           <a:p>
             <a:fld id="{5C7A54E4-F532-4F3B-A879-4DEEA90CC876}" type="datetimeFigureOut">
               <a:rPr lang="en-US" smtClean="0"/>
-              <a:t>12/2/2020</a:t>
+              <a:t>12/7/2020</a:t>
             </a:fld>
             <a:endParaRPr lang="en-US"/>
           </a:p>
@@ -677,7 +677,7 @@
           <a:p>
             <a:fld id="{5C7A54E4-F532-4F3B-A879-4DEEA90CC876}" type="datetimeFigureOut">
               <a:rPr lang="en-US" smtClean="0"/>
-              <a:t>12/2/2020</a:t>
+              <a:t>12/7/2020</a:t>
             </a:fld>
             <a:endParaRPr lang="en-US"/>
           </a:p>
@@ -875,7 +875,7 @@
           <a:p>
             <a:fld id="{5C7A54E4-F532-4F3B-A879-4DEEA90CC876}" type="datetimeFigureOut">
               <a:rPr lang="en-US" smtClean="0"/>
-              <a:t>12/2/2020</a:t>
+              <a:t>12/7/2020</a:t>
             </a:fld>
             <a:endParaRPr lang="en-US"/>
           </a:p>
@@ -1150,7 +1150,7 @@
           <a:p>
             <a:fld id="{5C7A54E4-F532-4F3B-A879-4DEEA90CC876}" type="datetimeFigureOut">
               <a:rPr lang="en-US" smtClean="0"/>
-              <a:t>12/2/2020</a:t>
+              <a:t>12/7/2020</a:t>
             </a:fld>
             <a:endParaRPr lang="en-US"/>
           </a:p>
@@ -1415,7 +1415,7 @@
           <a:p>
             <a:fld id="{5C7A54E4-F532-4F3B-A879-4DEEA90CC876}" type="datetimeFigureOut">
               <a:rPr lang="en-US" smtClean="0"/>
-              <a:t>12/2/2020</a:t>
+              <a:t>12/7/2020</a:t>
             </a:fld>
             <a:endParaRPr lang="en-US"/>
           </a:p>
@@ -1827,7 +1827,7 @@
           <a:p>
             <a:fld id="{5C7A54E4-F532-4F3B-A879-4DEEA90CC876}" type="datetimeFigureOut">
               <a:rPr lang="en-US" smtClean="0"/>
-              <a:t>12/2/2020</a:t>
+              <a:t>12/7/2020</a:t>
             </a:fld>
             <a:endParaRPr lang="en-US"/>
           </a:p>
@@ -1968,7 +1968,7 @@
           <a:p>
             <a:fld id="{5C7A54E4-F532-4F3B-A879-4DEEA90CC876}" type="datetimeFigureOut">
               <a:rPr lang="en-US" smtClean="0"/>
-              <a:t>12/2/2020</a:t>
+              <a:t>12/7/2020</a:t>
             </a:fld>
             <a:endParaRPr lang="en-US"/>
           </a:p>
@@ -2081,7 +2081,7 @@
           <a:p>
             <a:fld id="{5C7A54E4-F532-4F3B-A879-4DEEA90CC876}" type="datetimeFigureOut">
               <a:rPr lang="en-US" smtClean="0"/>
-              <a:t>12/2/2020</a:t>
+              <a:t>12/7/2020</a:t>
             </a:fld>
             <a:endParaRPr lang="en-US"/>
           </a:p>
@@ -2392,7 +2392,7 @@
           <a:p>
             <a:fld id="{5C7A54E4-F532-4F3B-A879-4DEEA90CC876}" type="datetimeFigureOut">
               <a:rPr lang="en-US" smtClean="0"/>
-              <a:t>12/2/2020</a:t>
+              <a:t>12/7/2020</a:t>
             </a:fld>
             <a:endParaRPr lang="en-US"/>
           </a:p>
@@ -2680,7 +2680,7 @@
           <a:p>
             <a:fld id="{5C7A54E4-F532-4F3B-A879-4DEEA90CC876}" type="datetimeFigureOut">
               <a:rPr lang="en-US" smtClean="0"/>
-              <a:t>12/2/2020</a:t>
+              <a:t>12/7/2020</a:t>
             </a:fld>
             <a:endParaRPr lang="en-US"/>
           </a:p>
@@ -2921,7 +2921,7 @@
           <a:p>
             <a:fld id="{5C7A54E4-F532-4F3B-A879-4DEEA90CC876}" type="datetimeFigureOut">
               <a:rPr lang="en-US" smtClean="0"/>
-              <a:t>12/2/2020</a:t>
+              <a:t>12/7/2020</a:t>
             </a:fld>
             <a:endParaRPr lang="en-US"/>
           </a:p>
@@ -4918,8 +4918,8 @@
           </a:p>
         </p:txBody>
       </p:sp>
-      <mc:AlternateContent xmlns:mc="http://schemas.openxmlformats.org/markup-compatibility/2006">
-        <mc:Choice xmlns:a14="http://schemas.microsoft.com/office/drawing/2010/main" Requires="a14">
+      <mc:AlternateContent xmlns:mc="http://schemas.openxmlformats.org/markup-compatibility/2006" xmlns:a14="http://schemas.microsoft.com/office/drawing/2010/main">
+        <mc:Choice Requires="a14">
           <p:sp>
             <p:nvSpPr>
               <p:cNvPr id="3" name="Content Placeholder 2">
@@ -5073,7 +5073,7 @@
             </p:txBody>
           </p:sp>
         </mc:Choice>
-        <mc:Fallback>
+        <mc:Fallback xmlns="">
           <p:sp>
             <p:nvSpPr>
               <p:cNvPr id="3" name="Content Placeholder 2">
